--- a/FacultyHack Sungbum Poster [Autosaved] [Autosaved].pptx
+++ b/FacultyHack Sungbum Poster [Autosaved] [Autosaved].pptx
@@ -20824,7 +20824,7 @@
         <p:spPr>
           <a:xfrm>
             <a:off x="242852" y="5440275"/>
-            <a:ext cx="7315200" cy="28384653"/>
+            <a:ext cx="7432180" cy="27784653"/>
           </a:xfrm>
           <a:prstGeom prst="rect">
             <a:avLst/>
@@ -21164,7 +21164,7 @@
         </p:nvSpPr>
         <p:spPr>
           <a:xfrm>
-            <a:off x="9221145" y="29301075"/>
+            <a:off x="8650781" y="29231601"/>
             <a:ext cx="7315200" cy="1200000"/>
           </a:xfrm>
           <a:prstGeom prst="rect">
@@ -21573,7 +21573,7 @@
         <p:spPr>
           <a:xfrm>
             <a:off x="8631379" y="5638454"/>
-            <a:ext cx="7315200" cy="17550918"/>
+            <a:ext cx="7315200" cy="21890568"/>
           </a:xfrm>
           <a:prstGeom prst="rect">
             <a:avLst/>
@@ -21623,20 +21623,8 @@
               <a:t>  </a:t>
             </a:r>
             <a:r>
-              <a:rPr lang="en-US" sz="4400" dirty="0" err="1"/>
-              <a:t>i</a:t>
-            </a:r>
-            <a:r>
-              <a:rPr lang="en-US" sz="4400" dirty="0"/>
-              <a:t>) </a:t>
-            </a:r>
-            <a:r>
-              <a:rPr lang="en-US" sz="3400" b="1" dirty="0"/>
-              <a:t>Sequence Alignment Sorting</a:t>
-            </a:r>
-            <a:r>
               <a:rPr lang="en-US" sz="3400" dirty="0"/>
-              <a:t>.</a:t>
+              <a:t>Sequence Alignment Sorting.</a:t>
             </a:r>
             <a:endParaRPr lang="en-US" sz="3400" b="1" dirty="0">
               <a:latin typeface=""/>
@@ -21662,7 +21650,8 @@
             </a:pPr>
             <a:r>
               <a:rPr lang="en-US" sz="3400" dirty="0">
-                <a:latin typeface=""/>
+                <a:latin typeface="Sana" pitchFamily="2" charset="-78"/>
+                <a:cs typeface="Sana" pitchFamily="2" charset="-78"/>
               </a:rPr>
               <a:t>Many applications have been developed based on the concept of genomic sequencing.  Sequence data for High-Throughput Sequencing (HTS) can be generated at an HPC that has  capability to store its data, process the tasks, and analyze its results. OpenMP works well with C/C++ compilers and its tasks can </a:t>
             </a:r>
@@ -21672,13 +21661,15 @@
                   <a:srgbClr val="131313"/>
                 </a:solidFill>
                 <a:effectLst/>
-                <a:latin typeface=""/>
+                <a:latin typeface="Sana" pitchFamily="2" charset="-78"/>
+                <a:cs typeface="Sana" pitchFamily="2" charset="-78"/>
               </a:rPr>
               <a:t>concisely</a:t>
             </a:r>
             <a:r>
               <a:rPr lang="en-US" sz="3400" dirty="0">
-                <a:latin typeface=""/>
+                <a:latin typeface="Sana" pitchFamily="2" charset="-78"/>
+                <a:cs typeface="Sana" pitchFamily="2" charset="-78"/>
               </a:rPr>
               <a:t>  implement the task parallelism based on its parallel algorithm written in POSIX thread.</a:t>
             </a:r>
@@ -21703,19 +21694,22 @@
             </a:pPr>
             <a:r>
               <a:rPr lang="en-US" sz="3400" dirty="0">
-                <a:latin typeface=""/>
+                <a:latin typeface="Sana" pitchFamily="2" charset="-78"/>
+                <a:cs typeface="Sana" pitchFamily="2" charset="-78"/>
               </a:rPr>
               <a:t>a sequence aligner  reads  to a reference genome assembly to find same or similar  to the short segments of DNA .  </a:t>
             </a:r>
             <a:r>
               <a:rPr lang="en-US" sz="3400" dirty="0" err="1">
-                <a:latin typeface=""/>
+                <a:latin typeface="Sana" pitchFamily="2" charset="-78"/>
+                <a:cs typeface="Sana" pitchFamily="2" charset="-78"/>
               </a:rPr>
               <a:t>SAMtools</a:t>
             </a:r>
             <a:r>
               <a:rPr lang="en-US" sz="3400" dirty="0">
-                <a:latin typeface=""/>
+                <a:latin typeface="Sana" pitchFamily="2" charset="-78"/>
+                <a:cs typeface="Sana" pitchFamily="2" charset="-78"/>
               </a:rPr>
               <a:t> can sort sequence alignment data and  a Binary Alignment/Map (BAM) file is a sequence alignment file format.</a:t>
             </a:r>
@@ -21740,102 +21734,191 @@
             </a:pPr>
             <a:r>
               <a:rPr lang="en-US" sz="3400" dirty="0">
-                <a:latin typeface=""/>
+                <a:latin typeface="Sana" pitchFamily="2" charset="-78"/>
+                <a:cs typeface="Sana" pitchFamily="2" charset="-78"/>
               </a:rPr>
               <a:t>OpenMP utilize </a:t>
             </a:r>
             <a:r>
               <a:rPr lang="en-US" sz="3400" dirty="0" err="1">
-                <a:latin typeface=""/>
+                <a:latin typeface="Sana" pitchFamily="2" charset="-78"/>
+                <a:cs typeface="Sana" pitchFamily="2" charset="-78"/>
               </a:rPr>
               <a:t>SAMtools</a:t>
             </a:r>
             <a:r>
               <a:rPr lang="en-US" sz="3400" dirty="0">
-                <a:latin typeface=""/>
+                <a:latin typeface="Sana" pitchFamily="2" charset="-78"/>
+                <a:cs typeface="Sana" pitchFamily="2" charset="-78"/>
               </a:rPr>
               <a:t> and </a:t>
             </a:r>
             <a:r>
               <a:rPr lang="en-US" sz="3400" dirty="0" err="1">
-                <a:latin typeface=""/>
+                <a:latin typeface="Sana" pitchFamily="2" charset="-78"/>
+                <a:cs typeface="Sana" pitchFamily="2" charset="-78"/>
               </a:rPr>
               <a:t>HTSlib</a:t>
             </a:r>
             <a:r>
               <a:rPr lang="en-US" sz="3400" dirty="0">
-                <a:latin typeface=""/>
+                <a:latin typeface="Sana" pitchFamily="2" charset="-78"/>
+                <a:cs typeface="Sana" pitchFamily="2" charset="-78"/>
               </a:rPr>
               <a:t> for two tasks: </a:t>
             </a:r>
             <a:r>
               <a:rPr lang="en-US" sz="3400" dirty="0" err="1">
-                <a:latin typeface=""/>
+                <a:latin typeface="Sana" pitchFamily="2" charset="-78"/>
+                <a:cs typeface="Sana" pitchFamily="2" charset="-78"/>
               </a:rPr>
               <a:t>i</a:t>
             </a:r>
             <a:r>
               <a:rPr lang="en-US" sz="3400" dirty="0">
-                <a:latin typeface=""/>
+                <a:latin typeface="Sana" pitchFamily="2" charset="-78"/>
+                <a:cs typeface="Sana" pitchFamily="2" charset="-78"/>
               </a:rPr>
               <a:t>) Overlap decoding of BGZF blocks (</a:t>
             </a:r>
             <a:r>
               <a:rPr lang="en-US" sz="3400" dirty="0" err="1">
-                <a:latin typeface=""/>
+                <a:latin typeface="Sana" pitchFamily="2" charset="-78"/>
+                <a:cs typeface="Sana" pitchFamily="2" charset="-78"/>
               </a:rPr>
               <a:t>HTSlib</a:t>
             </a:r>
             <a:r>
               <a:rPr lang="en-US" sz="3400" dirty="0">
-                <a:latin typeface=""/>
+                <a:latin typeface="Sana" pitchFamily="2" charset="-78"/>
+                <a:cs typeface="Sana" pitchFamily="2" charset="-78"/>
               </a:rPr>
               <a:t>); ii) sorting of groups of uncompressed sequence alignment records (</a:t>
             </a:r>
             <a:r>
               <a:rPr lang="en-US" sz="3400" dirty="0" err="1">
-                <a:latin typeface=""/>
+                <a:latin typeface="Sana" pitchFamily="2" charset="-78"/>
+                <a:cs typeface="Sana" pitchFamily="2" charset="-78"/>
               </a:rPr>
               <a:t>SAMtools</a:t>
             </a:r>
             <a:r>
               <a:rPr lang="en-US" sz="3400" dirty="0">
-                <a:latin typeface=""/>
+                <a:latin typeface="Sana" pitchFamily="2" charset="-78"/>
+                <a:cs typeface="Sana" pitchFamily="2" charset="-78"/>
               </a:rPr>
               <a:t>);  iii) improve the parallel efficiency of BGZF encoding the resulting sorted sequence alignments (</a:t>
             </a:r>
             <a:r>
               <a:rPr lang="en-US" sz="3400" dirty="0" err="1">
-                <a:latin typeface=""/>
+                <a:latin typeface="Sana" pitchFamily="2" charset="-78"/>
+                <a:cs typeface="Sana" pitchFamily="2" charset="-78"/>
               </a:rPr>
               <a:t>HTSlib</a:t>
             </a:r>
             <a:r>
               <a:rPr lang="en-US" sz="3400" dirty="0">
-                <a:latin typeface=""/>
-              </a:rPr>
-              <a:t>). There </a:t>
-            </a:r>
-            <a:r>
-              <a:rPr lang="en-US" sz="3400">
-                <a:latin typeface=""/>
-              </a:rPr>
-              <a:t>is an alternative </a:t>
-            </a:r>
+                <a:latin typeface="Sana" pitchFamily="2" charset="-78"/>
+                <a:cs typeface="Sana" pitchFamily="2" charset="-78"/>
+              </a:rPr>
+              <a:t>).</a:t>
+            </a:r>
+          </a:p>
+          <a:p>
+            <a:pPr marL="0" marR="0" lvl="0" indent="0" algn="l" rtl="0">
+              <a:lnSpc>
+                <a:spcPct val="100000"/>
+              </a:lnSpc>
+              <a:spcBef>
+                <a:spcPts val="0"/>
+              </a:spcBef>
+              <a:spcAft>
+                <a:spcPts val="0"/>
+              </a:spcAft>
+              <a:buClr>
+                <a:srgbClr val="000000"/>
+              </a:buClr>
+              <a:buSzPts val="3400"/>
+              <a:buFont typeface="Arial"/>
+              <a:buNone/>
+            </a:pPr>
+            <a:endParaRPr lang="en-US" sz="3400" dirty="0">
+              <a:latin typeface="Sana" pitchFamily="2" charset="-78"/>
+              <a:cs typeface="Sana" pitchFamily="2" charset="-78"/>
+            </a:endParaRPr>
+          </a:p>
+          <a:p>
+            <a:pPr marL="0" marR="0" lvl="0" indent="0" algn="l" rtl="0">
+              <a:lnSpc>
+                <a:spcPct val="100000"/>
+              </a:lnSpc>
+              <a:spcBef>
+                <a:spcPts val="0"/>
+              </a:spcBef>
+              <a:spcAft>
+                <a:spcPts val="0"/>
+              </a:spcAft>
+              <a:buClr>
+                <a:srgbClr val="000000"/>
+              </a:buClr>
+              <a:buSzPts val="3400"/>
+              <a:buFont typeface="Arial"/>
+              <a:buNone/>
+            </a:pPr>
+            <a:r>
+              <a:rPr lang="en-US" sz="3600" dirty="0"/>
+              <a:t>The assignment problem:</a:t>
+            </a:r>
+            <a:r>
+              <a:rPr lang="en-US" sz="3600" dirty="0">
+                <a:latin typeface="Sana" pitchFamily="2" charset="-78"/>
+                <a:cs typeface="Sana" pitchFamily="2" charset="-78"/>
+              </a:rPr>
+              <a:t> </a:t>
+            </a:r>
+          </a:p>
+          <a:p>
+            <a:pPr marL="0" marR="0" lvl="0" indent="0" algn="l" rtl="0">
+              <a:lnSpc>
+                <a:spcPct val="100000"/>
+              </a:lnSpc>
+              <a:spcBef>
+                <a:spcPts val="0"/>
+              </a:spcBef>
+              <a:spcAft>
+                <a:spcPts val="0"/>
+              </a:spcAft>
+              <a:buClr>
+                <a:srgbClr val="000000"/>
+              </a:buClr>
+              <a:buSzPts val="3400"/>
+              <a:buFont typeface="Arial"/>
+              <a:buNone/>
+            </a:pPr>
             <a:r>
               <a:rPr lang="en-US" sz="3400" dirty="0">
-                <a:latin typeface=""/>
-              </a:rPr>
-              <a:t>method to search patterns from DNA </a:t>
-            </a:r>
-            <a:r>
-              <a:rPr lang="en-US" sz="3400">
-                <a:latin typeface=""/>
-              </a:rPr>
-              <a:t>sequency. </a:t>
-            </a:r>
-            <a:endParaRPr lang="en-US" sz="3400" dirty="0">
-              <a:latin typeface=""/>
+                <a:latin typeface="Sana" pitchFamily="2" charset="-78"/>
+                <a:cs typeface="Sana" pitchFamily="2" charset="-78"/>
+              </a:rPr>
+              <a:t>There is an alternative method to search patterns from DNA sequency. The students can generate patterns and location and then inserted them into DNA sequence for testing their program.  The time complexity of the algorithm for DNA sequency is O(</a:t>
+            </a:r>
+            <a:r>
+              <a:rPr lang="en-US" sz="3400" dirty="0" err="1">
+                <a:latin typeface="Sana" pitchFamily="2" charset="-78"/>
+                <a:cs typeface="Sana" pitchFamily="2" charset="-78"/>
+              </a:rPr>
+              <a:t>mn</a:t>
+            </a:r>
+            <a:r>
+              <a:rPr lang="en-US" sz="3400" dirty="0">
+                <a:latin typeface="Sana" pitchFamily="2" charset="-78"/>
+                <a:cs typeface="Sana" pitchFamily="2" charset="-78"/>
+              </a:rPr>
+              <a:t>)  where m  is the length of DNA and  n is the size of pattern.</a:t>
+            </a:r>
+            <a:endParaRPr lang="en-US" sz="3400" baseline="30000" dirty="0">
+              <a:latin typeface="Sana" pitchFamily="2" charset="-78"/>
+              <a:cs typeface="Sana" pitchFamily="2" charset="-78"/>
             </a:endParaRPr>
           </a:p>
           <a:p>
@@ -21870,7 +21953,7 @@
         </p:nvSpPr>
         <p:spPr>
           <a:xfrm>
-            <a:off x="9133381" y="30775734"/>
+            <a:off x="8522121" y="30828771"/>
             <a:ext cx="7315200" cy="7717457"/>
           </a:xfrm>
           <a:prstGeom prst="rect">
@@ -22186,7 +22269,7 @@
         <p:spPr>
           <a:xfrm>
             <a:off x="16952420" y="30196173"/>
-            <a:ext cx="7315200" cy="7042125"/>
+            <a:ext cx="7315200" cy="3793306"/>
           </a:xfrm>
           <a:prstGeom prst="rect">
             <a:avLst/>
@@ -22202,7 +22285,7 @@
           </a:bodyPr>
           <a:lstStyle/>
           <a:p>
-            <a:pPr marL="0" marR="0" lvl="0" indent="0" algn="l" rtl="0">
+            <a:pPr marR="0" lvl="0" algn="l" rtl="0">
               <a:lnSpc>
                 <a:spcPct val="100000"/>
               </a:lnSpc>
@@ -22216,28 +22299,110 @@
                 <a:srgbClr val="000000"/>
               </a:buClr>
               <a:buSzPts val="3400"/>
-              <a:buFont typeface="Arial"/>
-              <a:buNone/>
             </a:pPr>
             <a:r>
-              <a:rPr lang="en" sz="3400" b="0" i="0" u="none" strike="noStrike" cap="none">
+              <a:rPr lang="en" sz="3400" b="0" i="0" u="none" strike="noStrike" cap="none" dirty="0">
                 <a:solidFill>
                   <a:srgbClr val="000000"/>
                 </a:solidFill>
-                <a:latin typeface="Open Sans"/>
+                <a:latin typeface=""/>
                 <a:ea typeface="Open Sans"/>
                 <a:cs typeface="Open Sans"/>
                 <a:sym typeface="Open Sans"/>
               </a:rPr>
-              <a:t>Lorem ipsum dolor sit amet, consectetur adipiscing elit, sed do eiusmod tempor incididunt ut labore et dolore magna aliqua. Ut enim ad minim veniam, quis nostrud exercitation ullamco laboris nisi ut aliquip ex ea commodo consequat. Duis aute irure dolor in reprehenderit in voluptate velit esse cillum dolore eu fugiat nulla pariatur. Excepteur sint occaecat cupidatat non proident, sunt in culpa qui officia deserunt mollit anim id est laborum. </a:t>
-            </a:r>
-            <a:endParaRPr sz="2000" b="0" i="0" u="none" strike="noStrike" cap="none">
+              <a:t>The skills and knowledge to the DNA sequency can be utilized in   </a:t>
+            </a:r>
+            <a:r>
+              <a:rPr lang="en-US" sz="3400" dirty="0">
+                <a:latin typeface=""/>
+              </a:rPr>
+              <a:t>developing  plant breeders select:</a:t>
+            </a:r>
+          </a:p>
+          <a:p>
+            <a:pPr marR="0" lvl="0" algn="l" rtl="0">
+              <a:lnSpc>
+                <a:spcPct val="100000"/>
+              </a:lnSpc>
+              <a:spcBef>
+                <a:spcPts val="0"/>
+              </a:spcBef>
+              <a:spcAft>
+                <a:spcPts val="0"/>
+              </a:spcAft>
+              <a:buClr>
+                <a:srgbClr val="000000"/>
+              </a:buClr>
+              <a:buSzPts val="3400"/>
+            </a:pPr>
+            <a:endParaRPr lang="en-US" sz="3400" dirty="0">
+              <a:latin typeface=""/>
+            </a:endParaRPr>
+          </a:p>
+          <a:p>
+            <a:pPr marL="457200" marR="0" lvl="0" indent="-457200" algn="l" rtl="0">
+              <a:lnSpc>
+                <a:spcPct val="100000"/>
+              </a:lnSpc>
+              <a:spcBef>
+                <a:spcPts val="0"/>
+              </a:spcBef>
+              <a:spcAft>
+                <a:spcPts val="0"/>
+              </a:spcAft>
+              <a:buClr>
+                <a:srgbClr val="000000"/>
+              </a:buClr>
+              <a:buSzPts val="3400"/>
+              <a:buFont typeface="Arial" panose="020B0604020202020204" pitchFamily="34" charset="0"/>
+              <a:buChar char="•"/>
+            </a:pPr>
+            <a:r>
+              <a:rPr lang="en-US" sz="3400" b="0" i="0" dirty="0">
+                <a:solidFill>
+                  <a:srgbClr val="001D35"/>
+                </a:solidFill>
+                <a:effectLst/>
+                <a:latin typeface=""/>
+              </a:rPr>
+              <a:t>contributing to higher crop yields</a:t>
+            </a:r>
+            <a:r>
+              <a:rPr lang="en-US" sz="3400" dirty="0">
+                <a:latin typeface=""/>
+              </a:rPr>
+              <a:t>, and disease-resistant crops.  </a:t>
+            </a:r>
+          </a:p>
+          <a:p>
+            <a:pPr marL="457200" marR="0" lvl="0" indent="-457200" algn="l" rtl="0">
+              <a:lnSpc>
+                <a:spcPct val="100000"/>
+              </a:lnSpc>
+              <a:spcBef>
+                <a:spcPts val="0"/>
+              </a:spcBef>
+              <a:spcAft>
+                <a:spcPts val="0"/>
+              </a:spcAft>
+              <a:buClr>
+                <a:srgbClr val="000000"/>
+              </a:buClr>
+              <a:buSzPts val="3400"/>
+              <a:buFont typeface="Arial" panose="020B0604020202020204" pitchFamily="34" charset="0"/>
+              <a:buChar char="•"/>
+            </a:pPr>
+            <a:r>
+              <a:rPr lang="en-US" sz="3400" dirty="0">
+                <a:latin typeface=""/>
+              </a:rPr>
+              <a:t>diagnosing and treating diseases.</a:t>
+            </a:r>
+            <a:endParaRPr sz="3400" b="0" i="0" u="none" strike="noStrike" cap="none" dirty="0">
               <a:solidFill>
                 <a:srgbClr val="000000"/>
               </a:solidFill>
-              <a:latin typeface="Arial"/>
-              <a:ea typeface="Arial"/>
-              <a:cs typeface="Arial"/>
+              <a:latin typeface=""/>
               <a:sym typeface="Arial"/>
             </a:endParaRPr>
           </a:p>
@@ -22290,7 +22455,7 @@
                 <a:solidFill>
                   <a:srgbClr val="000000"/>
                 </a:solidFill>
-                <a:latin typeface="Open Sans"/>
+                <a:latin typeface=""/>
                 <a:ea typeface="Open Sans"/>
                 <a:cs typeface="Open Sans"/>
                 <a:sym typeface="Open Sans"/>
@@ -22318,7 +22483,7 @@
             </a:pPr>
             <a:r>
               <a:rPr lang="en-US" sz="3400" dirty="0">
-                <a:latin typeface="Open Sans"/>
+                <a:latin typeface=""/>
                 <a:ea typeface="Open Sans"/>
                 <a:cs typeface="Open Sans"/>
                 <a:sym typeface="Open Sans"/>
@@ -22349,20 +22514,18 @@
                 <a:solidFill>
                   <a:srgbClr val="000000"/>
                 </a:solidFill>
-                <a:latin typeface="Open Sans"/>
+                <a:latin typeface=""/>
                 <a:ea typeface="Open Sans"/>
                 <a:cs typeface="Open Sans"/>
                 <a:sym typeface="Open Sans"/>
               </a:rPr>
               <a:t>Or Patterns of DNA</a:t>
             </a:r>
-            <a:endParaRPr sz="2000" b="0" i="0" u="none" strike="noStrike" cap="none" dirty="0">
+            <a:endParaRPr sz="3400" b="0" i="0" u="none" strike="noStrike" cap="none" dirty="0">
               <a:solidFill>
                 <a:srgbClr val="000000"/>
               </a:solidFill>
-              <a:latin typeface="Arial"/>
-              <a:ea typeface="Arial"/>
-              <a:cs typeface="Arial"/>
+              <a:latin typeface=""/>
               <a:sym typeface="Arial"/>
             </a:endParaRPr>
           </a:p>
@@ -22389,22 +22552,13 @@
                 <a:solidFill>
                   <a:srgbClr val="000000"/>
                 </a:solidFill>
-                <a:latin typeface="Open Sans"/>
+                <a:latin typeface=""/>
                 <a:ea typeface="Open Sans"/>
                 <a:cs typeface="Open Sans"/>
                 <a:sym typeface="Open Sans"/>
               </a:rPr>
               <a:t>Dataset for PCA</a:t>
             </a:r>
-            <a:endParaRPr sz="3400" b="0" i="0" u="none" strike="noStrike" cap="none" dirty="0">
-              <a:solidFill>
-                <a:srgbClr val="000000"/>
-              </a:solidFill>
-              <a:latin typeface="Open Sans"/>
-              <a:ea typeface="Open Sans"/>
-              <a:cs typeface="Open Sans"/>
-              <a:sym typeface="Open Sans"/>
-            </a:endParaRPr>
           </a:p>
         </p:txBody>
       </p:sp>
@@ -22417,7 +22571,7 @@
         <p:spPr>
           <a:xfrm>
             <a:off x="24885251" y="14842544"/>
-            <a:ext cx="7315200" cy="7042125"/>
+            <a:ext cx="7315200" cy="1177205"/>
           </a:xfrm>
           <a:prstGeom prst="rect">
             <a:avLst/>
@@ -22451,18 +22605,12 @@
               <a:buNone/>
             </a:pPr>
             <a:r>
-              <a:rPr lang="en" sz="3400" b="0" i="0" u="none" strike="noStrike" cap="none">
-                <a:solidFill>
-                  <a:srgbClr val="000000"/>
-                </a:solidFill>
-                <a:latin typeface="Open Sans"/>
-                <a:ea typeface="Open Sans"/>
-                <a:cs typeface="Open Sans"/>
-                <a:sym typeface="Open Sans"/>
-              </a:rPr>
-              <a:t>Lorem ipsum dolor sit amet, consectetur adipiscing elit, sed do eiusmod tempor incididunt ut labore et dolore magna aliqua. Ut enim ad minim veniam, quis nostrud exercitation ullamco laboris nisi ut aliquip ex ea commodo consequat. Duis aute irure dolor in reprehenderit in voluptate velit esse cillum dolore eu fugiat nulla pariatur. Excepteur sint occaecat cupidatat non proident, sunt in culpa qui officia deserunt mollit anim id est laborum. </a:t>
-            </a:r>
-            <a:endParaRPr sz="2000" b="0" i="0" u="none" strike="noStrike" cap="none">
+              <a:rPr lang="en-US" sz="3400" dirty="0">
+                <a:latin typeface=""/>
+              </a:rPr>
+              <a:t>- Develop  program that can  generate patterns and locations.</a:t>
+            </a:r>
+            <a:endParaRPr sz="2000" b="0" i="0" u="none" strike="noStrike" cap="none" dirty="0">
               <a:solidFill>
                 <a:srgbClr val="000000"/>
               </a:solidFill>
@@ -23589,7 +23737,7 @@
         <p:spPr>
           <a:xfrm>
             <a:off x="242847" y="34364795"/>
-            <a:ext cx="7298180" cy="10772180"/>
+            <a:ext cx="7298180" cy="5539978"/>
           </a:xfrm>
           <a:prstGeom prst="rect">
             <a:avLst/>
@@ -23755,79 +23903,6 @@
               </a:rPr>
               <a:t> are going to be used to implement the algorithms. </a:t>
             </a:r>
-          </a:p>
-          <a:p>
-            <a:r>
-              <a:rPr lang="en-US" sz="3400" dirty="0">
-                <a:latin typeface="Calibri" panose="020F0502020204030204" pitchFamily="34" charset="0"/>
-                <a:ea typeface="Malgun Gothic" panose="020B0503020000020004" pitchFamily="34" charset="-127"/>
-                <a:cs typeface="Times New Roman" panose="02020603050405020304" pitchFamily="18" charset="0"/>
-              </a:rPr>
-              <a:t>Therefore, the students need to implement </a:t>
-            </a:r>
-            <a:r>
-              <a:rPr lang="en-US" sz="3400" dirty="0">
-                <a:solidFill>
-                  <a:srgbClr val="212529"/>
-                </a:solidFill>
-                <a:effectLst/>
-                <a:highlight>
-                  <a:srgbClr val="FFFFFF"/>
-                </a:highlight>
-                <a:latin typeface="Times New Roman" panose="02020603050405020304" pitchFamily="18" charset="0"/>
-                <a:ea typeface="Times New Roman" panose="02020603050405020304" pitchFamily="18" charset="0"/>
-              </a:rPr>
-              <a:t>Fibonacci computation</a:t>
-            </a:r>
-            <a:r>
-              <a:rPr lang="en-US" sz="3400" dirty="0">
-                <a:solidFill>
-                  <a:srgbClr val="212529"/>
-                </a:solidFill>
-                <a:highlight>
-                  <a:srgbClr val="FFFFFF"/>
-                </a:highlight>
-                <a:latin typeface="Arial" panose="020B0604020202020204" pitchFamily="34" charset="0"/>
-                <a:ea typeface="Malgun Gothic" panose="020B0503020000020004" pitchFamily="34" charset="-127"/>
-              </a:rPr>
-              <a:t> </a:t>
-            </a:r>
-            <a:r>
-              <a:rPr lang="en-US" sz="3400" dirty="0">
-                <a:effectLst/>
-                <a:latin typeface="Times New Roman" panose="02020603050405020304" pitchFamily="18" charset="0"/>
-                <a:ea typeface="Times New Roman" panose="02020603050405020304" pitchFamily="18" charset="0"/>
-              </a:rPr>
-              <a:t>Algorithms with OpenMP, MPI, and </a:t>
-            </a:r>
-            <a:r>
-              <a:rPr lang="en-US" sz="3400" dirty="0" err="1">
-                <a:effectLst/>
-                <a:latin typeface="Times New Roman" panose="02020603050405020304" pitchFamily="18" charset="0"/>
-                <a:ea typeface="Times New Roman" panose="02020603050405020304" pitchFamily="18" charset="0"/>
-              </a:rPr>
-              <a:t>OpenAcc</a:t>
-            </a:r>
-            <a:r>
-              <a:rPr lang="en-US" sz="3400" dirty="0">
-                <a:effectLst/>
-                <a:latin typeface="Times New Roman" panose="02020603050405020304" pitchFamily="18" charset="0"/>
-                <a:ea typeface="Times New Roman" panose="02020603050405020304" pitchFamily="18" charset="0"/>
-              </a:rPr>
-              <a:t>. </a:t>
-            </a:r>
-            <a:r>
-              <a:rPr lang="en-US" sz="3400" dirty="0">
-                <a:latin typeface="Times New Roman" panose="02020603050405020304" pitchFamily="18" charset="0"/>
-                <a:ea typeface="Times New Roman" panose="02020603050405020304" pitchFamily="18" charset="0"/>
-              </a:rPr>
-              <a:t>The results will be presented graphically. The project is focused on task dividing to improve its performance. The other two projects are implemented in same ways. But the focus of their project have differ than the first one.</a:t>
-            </a:r>
-            <a:endParaRPr lang="en-US" sz="3400" dirty="0">
-              <a:latin typeface="Calibri" panose="020F0502020204030204" pitchFamily="34" charset="0"/>
-              <a:ea typeface="Malgun Gothic" panose="020B0503020000020004" pitchFamily="34" charset="-127"/>
-              <a:cs typeface="Times New Roman" panose="02020603050405020304" pitchFamily="18" charset="0"/>
-            </a:endParaRPr>
           </a:p>
           <a:p>
             <a:endParaRPr lang="en-US" dirty="0"/>
@@ -23849,7 +23924,7 @@
         <p:spPr>
           <a:xfrm>
             <a:off x="16971815" y="21119441"/>
-            <a:ext cx="7315200" cy="6937797"/>
+            <a:ext cx="7315200" cy="1138773"/>
           </a:xfrm>
           <a:prstGeom prst="rect">
             <a:avLst/>
@@ -23898,229 +23973,6 @@
               <a:cs typeface="Open Sans"/>
               <a:sym typeface="Open Sans"/>
             </a:endParaRPr>
-          </a:p>
-          <a:p>
-            <a:pPr marL="482600" marR="0" lvl="0" indent="-482600" algn="l" rtl="0">
-              <a:lnSpc>
-                <a:spcPct val="100000"/>
-              </a:lnSpc>
-              <a:spcBef>
-                <a:spcPts val="1700"/>
-              </a:spcBef>
-              <a:spcAft>
-                <a:spcPts val="0"/>
-              </a:spcAft>
-              <a:buClr>
-                <a:srgbClr val="000000"/>
-              </a:buClr>
-              <a:buSzPts val="3400"/>
-              <a:buFont typeface="Arial"/>
-              <a:buChar char="•"/>
-            </a:pPr>
-            <a:r>
-              <a:rPr lang="en-US" sz="3400" b="0" i="0" dirty="0">
-                <a:solidFill>
-                  <a:srgbClr val="001D35"/>
-                </a:solidFill>
-                <a:effectLst/>
-                <a:latin typeface=""/>
-              </a:rPr>
-              <a:t>Cluster of  computers </a:t>
-            </a:r>
-            <a:r>
-              <a:rPr lang="en-US" sz="3400" b="0" i="0" u="none" strike="noStrike" cap="none" dirty="0">
-                <a:solidFill>
-                  <a:srgbClr val="000000"/>
-                </a:solidFill>
-                <a:latin typeface=""/>
-                <a:ea typeface="Open Sans"/>
-                <a:cs typeface="Open Sans"/>
-                <a:sym typeface="Open Sans"/>
-              </a:rPr>
-              <a:t>for MPI</a:t>
-            </a:r>
-          </a:p>
-          <a:p>
-            <a:pPr marL="482600" marR="0" lvl="0" indent="-482600" algn="l" rtl="0">
-              <a:lnSpc>
-                <a:spcPct val="100000"/>
-              </a:lnSpc>
-              <a:spcBef>
-                <a:spcPts val="1700"/>
-              </a:spcBef>
-              <a:spcAft>
-                <a:spcPts val="0"/>
-              </a:spcAft>
-              <a:buClr>
-                <a:srgbClr val="000000"/>
-              </a:buClr>
-              <a:buSzPts val="3400"/>
-              <a:buFont typeface="Arial"/>
-              <a:buChar char="•"/>
-            </a:pPr>
-            <a:r>
-              <a:rPr lang="en-US" sz="3400" b="0" i="0" dirty="0">
-                <a:solidFill>
-                  <a:srgbClr val="001D35"/>
-                </a:solidFill>
-                <a:effectLst/>
-                <a:latin typeface=""/>
-              </a:rPr>
-              <a:t>Cluster of </a:t>
-            </a:r>
-            <a:r>
-              <a:rPr lang="en-US" sz="3400" dirty="0">
-                <a:solidFill>
-                  <a:srgbClr val="001D35"/>
-                </a:solidFill>
-                <a:latin typeface=""/>
-              </a:rPr>
-              <a:t>Computer with GPUs </a:t>
-            </a:r>
-            <a:r>
-              <a:rPr lang="en-US" sz="3400" b="0" i="0" u="none" strike="noStrike" cap="none" dirty="0">
-                <a:solidFill>
-                  <a:srgbClr val="000000"/>
-                </a:solidFill>
-                <a:latin typeface=""/>
-                <a:ea typeface="Open Sans"/>
-                <a:cs typeface="Open Sans"/>
-                <a:sym typeface="Open Sans"/>
-              </a:rPr>
-              <a:t>for </a:t>
-            </a:r>
-            <a:r>
-              <a:rPr lang="en-US" sz="3400" b="0" i="0" u="none" strike="noStrike" cap="none" dirty="0" err="1">
-                <a:solidFill>
-                  <a:srgbClr val="000000"/>
-                </a:solidFill>
-                <a:latin typeface=""/>
-                <a:ea typeface="Open Sans"/>
-                <a:cs typeface="Open Sans"/>
-                <a:sym typeface="Open Sans"/>
-              </a:rPr>
-              <a:t>OpenAcc</a:t>
-            </a:r>
-            <a:endParaRPr lang="en-US" sz="3400" b="0" i="0" u="none" strike="noStrike" cap="none" dirty="0">
-              <a:solidFill>
-                <a:srgbClr val="000000"/>
-              </a:solidFill>
-              <a:latin typeface=""/>
-              <a:ea typeface="Open Sans"/>
-              <a:cs typeface="Open Sans"/>
-              <a:sym typeface="Open Sans"/>
-            </a:endParaRPr>
-          </a:p>
-          <a:p>
-            <a:pPr marL="482600" marR="0" lvl="0" indent="-482600" algn="l" rtl="0">
-              <a:lnSpc>
-                <a:spcPct val="100000"/>
-              </a:lnSpc>
-              <a:spcBef>
-                <a:spcPts val="1700"/>
-              </a:spcBef>
-              <a:spcAft>
-                <a:spcPts val="0"/>
-              </a:spcAft>
-              <a:buClr>
-                <a:srgbClr val="000000"/>
-              </a:buClr>
-              <a:buSzPts val="3400"/>
-              <a:buFont typeface="Arial"/>
-              <a:buChar char="•"/>
-            </a:pPr>
-            <a:r>
-              <a:rPr lang="en-US" sz="3400" dirty="0" err="1">
-                <a:latin typeface=""/>
-              </a:rPr>
-              <a:t>SAMtools</a:t>
-            </a:r>
-            <a:r>
-              <a:rPr lang="en-US" sz="3400" dirty="0">
-                <a:latin typeface=""/>
-              </a:rPr>
-              <a:t> and </a:t>
-            </a:r>
-            <a:r>
-              <a:rPr lang="en-US" sz="3400" dirty="0" err="1">
-                <a:latin typeface=""/>
-              </a:rPr>
-              <a:t>HTSlib</a:t>
-            </a:r>
-            <a:r>
-              <a:rPr lang="en-US" sz="3400" dirty="0">
-                <a:latin typeface=""/>
-              </a:rPr>
-              <a:t> on three different types of computing facility.</a:t>
-            </a:r>
-          </a:p>
-          <a:p>
-            <a:pPr marL="482600" marR="0" lvl="0" indent="-482600" algn="l" rtl="0">
-              <a:lnSpc>
-                <a:spcPct val="100000"/>
-              </a:lnSpc>
-              <a:spcBef>
-                <a:spcPts val="1700"/>
-              </a:spcBef>
-              <a:spcAft>
-                <a:spcPts val="0"/>
-              </a:spcAft>
-              <a:buClr>
-                <a:srgbClr val="000000"/>
-              </a:buClr>
-              <a:buSzPts val="3400"/>
-              <a:buFont typeface="Arial"/>
-              <a:buChar char="•"/>
-            </a:pPr>
-            <a:r>
-              <a:rPr lang="en-US" sz="3400" dirty="0">
-                <a:latin typeface=""/>
-              </a:rPr>
-              <a:t>OpenMP-compatible C compiler, any MPI library.</a:t>
-            </a:r>
-          </a:p>
-          <a:p>
-            <a:pPr marL="482600" marR="0" lvl="0" indent="-482600" algn="l" rtl="0">
-              <a:lnSpc>
-                <a:spcPct val="100000"/>
-              </a:lnSpc>
-              <a:spcBef>
-                <a:spcPts val="1700"/>
-              </a:spcBef>
-              <a:spcAft>
-                <a:spcPts val="0"/>
-              </a:spcAft>
-              <a:buClr>
-                <a:srgbClr val="000000"/>
-              </a:buClr>
-              <a:buSzPts val="3400"/>
-              <a:buFont typeface="Arial"/>
-              <a:buChar char="•"/>
-            </a:pPr>
-            <a:r>
-              <a:rPr lang="en-US" sz="3400" b="0" i="0" u="none" strike="noStrike" cap="none" dirty="0" err="1">
-                <a:solidFill>
-                  <a:srgbClr val="000000"/>
-                </a:solidFill>
-                <a:latin typeface=""/>
-                <a:ea typeface="Open Sans"/>
-                <a:cs typeface="Open Sans"/>
-                <a:sym typeface="Open Sans"/>
-              </a:rPr>
-              <a:t>OpenAcc</a:t>
-            </a:r>
-            <a:r>
-              <a:rPr lang="en-US" sz="3400" b="0" i="0" u="none" strike="noStrike" cap="none" dirty="0">
-                <a:solidFill>
-                  <a:srgbClr val="000000"/>
-                </a:solidFill>
-                <a:latin typeface=""/>
-                <a:ea typeface="Open Sans"/>
-                <a:cs typeface="Open Sans"/>
-                <a:sym typeface="Open Sans"/>
-              </a:rPr>
-              <a:t>-comparable C compiler.</a:t>
-            </a:r>
           </a:p>
         </p:txBody>
       </p:sp>

--- a/FacultyHack Sungbum Poster [Autosaved] [Autosaved].pptx
+++ b/FacultyHack Sungbum Poster [Autosaved] [Autosaved].pptx
@@ -20824,7 +20824,7 @@
         <p:spPr>
           <a:xfrm>
             <a:off x="242852" y="5440275"/>
-            <a:ext cx="7432180" cy="27784653"/>
+            <a:ext cx="7432180" cy="27861433"/>
           </a:xfrm>
           <a:prstGeom prst="rect">
             <a:avLst/>
@@ -20846,106 +20846,91 @@
                 <a:effectLst/>
                 <a:latin typeface=""/>
                 <a:ea typeface="Malgun Gothic" panose="020B0503020000020004" pitchFamily="34" charset="-127"/>
-                <a:cs typeface="Times New Roman" panose="02020603050405020304" pitchFamily="18" charset="0"/>
-              </a:rPr>
-              <a:t>Recent changes in industry want to acquire workforce to developing software for parallel computing such as multicore CPUs, GPUs. Unlike the sequential computing environment, personals who want to work for this area must be familiar to the new hardware environment.  The course is for the junior or senior Computer Science (CS) and Computer Engineering (CE) major students. Based on the curriculum, all students finished programming languages, operating systems, computer architecture and data structure courses to make sequential programs.  The Parallel Programming education for CS and CE majors will play a major role in preparing well trained graduates to join this workforce. From the course, we are going to focus on improving hands on skills and understating and implementing parallel algorithms.  The topics of the course include  not only programming </a:t>
+                <a:cs typeface="Sathu" pitchFamily="2" charset="-34"/>
+              </a:rPr>
+              <a:t>Recent changes in industry want to acquire workforce to developing software for parallel computing such as multicore CPUs, GPUs. Unlike the sequential computing environment, personals who want to work for this area must be familiar to the new hardware environment.  The course is for the junior or senior Computer Science (CS) and Computer Engineering (CE) major students. Based on the curriculum, all students finished programming languages, operating systems, computer architecture and data structure courses to make sequential programs.  The Parallel Programming education for CS and CE majors will play a major role in preparing well trained graduates to join this workforce. From the course, we are going to focus on improving hands on skills and understating and implementing parallel algorithms.  The topics of the course include  not only programming languages with the libraries such as OpenMP, MPI, and </a:t>
             </a:r>
             <a:r>
               <a:rPr lang="en-US" sz="3400" dirty="0" err="1">
                 <a:effectLst/>
                 <a:latin typeface=""/>
                 <a:ea typeface="Malgun Gothic" panose="020B0503020000020004" pitchFamily="34" charset="-127"/>
-                <a:cs typeface="Times New Roman" panose="02020603050405020304" pitchFamily="18" charset="0"/>
-              </a:rPr>
-              <a:t>laguages</a:t>
+                <a:cs typeface="Sathu" pitchFamily="2" charset="-34"/>
+              </a:rPr>
+              <a:t>OpenACC</a:t>
             </a:r>
             <a:r>
               <a:rPr lang="en-US" sz="3400" dirty="0">
                 <a:effectLst/>
                 <a:latin typeface=""/>
                 <a:ea typeface="Malgun Gothic" panose="020B0503020000020004" pitchFamily="34" charset="-127"/>
-                <a:cs typeface="Times New Roman" panose="02020603050405020304" pitchFamily="18" charset="0"/>
-              </a:rPr>
-              <a:t> with the libraries such as OpenMP, MPI, and </a:t>
+                <a:cs typeface="Sathu" pitchFamily="2" charset="-34"/>
+              </a:rPr>
+              <a:t> and also  programming model.  The programming models consists of several subareas: </a:t>
             </a:r>
             <a:r>
               <a:rPr lang="en-US" sz="3400" dirty="0" err="1">
                 <a:effectLst/>
                 <a:latin typeface=""/>
                 <a:ea typeface="Malgun Gothic" panose="020B0503020000020004" pitchFamily="34" charset="-127"/>
-                <a:cs typeface="Times New Roman" panose="02020603050405020304" pitchFamily="18" charset="0"/>
-              </a:rPr>
-              <a:t>OpenACC</a:t>
+                <a:cs typeface="Sathu" pitchFamily="2" charset="-34"/>
+              </a:rPr>
+              <a:t>i</a:t>
             </a:r>
             <a:r>
               <a:rPr lang="en-US" sz="3400" dirty="0">
                 <a:effectLst/>
                 <a:latin typeface=""/>
                 <a:ea typeface="Malgun Gothic" panose="020B0503020000020004" pitchFamily="34" charset="-127"/>
-                <a:cs typeface="Times New Roman" panose="02020603050405020304" pitchFamily="18" charset="0"/>
-              </a:rPr>
-              <a:t> and also  programming model.  The programming models consists of several subareas: </a:t>
+                <a:cs typeface="Sathu" pitchFamily="2" charset="-34"/>
+              </a:rPr>
+              <a:t>) data parallelism; ii) task parallelism;  multithreaded programming;  shared memory model; message-passing model; and Partitioned Global Address Space model. These projects require a large space for large data sets  and computing power. As part of this effort, some of the NSF/IEEE-TCPP curriculum initiative on Parallel and Distributed Computing (PDC) modules were  integrated into department-wide core and elective courses offered in both fall and spring semesters. From CSC 325 Operating Systems (core), the students will learn how to write simple parallel program </a:t>
+            </a:r>
+            <a:r>
+              <a:rPr lang="en-US" sz="3400" dirty="0">
+                <a:latin typeface=""/>
+                <a:cs typeface="Sathu" pitchFamily="2" charset="-34"/>
+              </a:rPr>
+              <a:t>POSIX threads (</a:t>
+            </a:r>
+            <a:r>
+              <a:rPr lang="en-US" sz="3400" dirty="0" err="1">
+                <a:latin typeface=""/>
+                <a:cs typeface="Sathu" pitchFamily="2" charset="-34"/>
+              </a:rPr>
+              <a:t>pthreads</a:t>
+            </a:r>
+            <a:r>
+              <a:rPr lang="en-US" sz="3400" dirty="0">
+                <a:latin typeface=""/>
+                <a:cs typeface="Sathu" pitchFamily="2" charset="-34"/>
+              </a:rPr>
+              <a:t>) </a:t>
+            </a:r>
+            <a:r>
+              <a:rPr lang="en-US" sz="3400" dirty="0">
+                <a:effectLst/>
+                <a:latin typeface=""/>
+                <a:ea typeface="Malgun Gothic" panose="020B0503020000020004" pitchFamily="34" charset="-127"/>
+                <a:cs typeface="Sathu" pitchFamily="2" charset="-34"/>
+              </a:rPr>
+              <a:t> library and also how to synchronize the processes.   The topics of CSC 425 Parallel Computing (elective) are related with how to use OpenMP, </a:t>
             </a:r>
             <a:r>
               <a:rPr lang="en-US" sz="3400" dirty="0" err="1">
                 <a:effectLst/>
                 <a:latin typeface=""/>
                 <a:ea typeface="Malgun Gothic" panose="020B0503020000020004" pitchFamily="34" charset="-127"/>
-                <a:cs typeface="Times New Roman" panose="02020603050405020304" pitchFamily="18" charset="0"/>
-              </a:rPr>
-              <a:t>i</a:t>
+                <a:cs typeface="Sathu" pitchFamily="2" charset="-34"/>
+              </a:rPr>
+              <a:t>OpenAcc</a:t>
             </a:r>
             <a:r>
               <a:rPr lang="en-US" sz="3400" dirty="0">
                 <a:effectLst/>
                 <a:latin typeface=""/>
                 <a:ea typeface="Malgun Gothic" panose="020B0503020000020004" pitchFamily="34" charset="-127"/>
-                <a:cs typeface="Times New Roman" panose="02020603050405020304" pitchFamily="18" charset="0"/>
-              </a:rPr>
-              <a:t>) data parallelism; ii) task parallelism;  multithreaded programming;  shared memory model; message-passing model; and Partitioned Global Address Space model. These projects require a large space for large data sets  and computing power. As part of this effort, some of the NSF/IEEE-TCPP curriculum initiative on Parallel and Distributed Computing (PDC) modules were  integrated into department-wide core and elective courses offered in both fall and spring semesters. From CSC 325 Operating Systems (core), the students will learn how to write simple parallel program </a:t>
-            </a:r>
-            <a:r>
-              <a:rPr lang="en-US" sz="3400" dirty="0">
-                <a:latin typeface=""/>
-              </a:rPr>
-              <a:t>POSIX threads (</a:t>
-            </a:r>
-            <a:r>
-              <a:rPr lang="en-US" sz="3400" dirty="0" err="1">
-                <a:latin typeface=""/>
-              </a:rPr>
-              <a:t>pthreads</a:t>
-            </a:r>
-            <a:r>
-              <a:rPr lang="en-US" sz="3400" dirty="0">
-                <a:latin typeface=""/>
-              </a:rPr>
-              <a:t>) </a:t>
-            </a:r>
-            <a:r>
-              <a:rPr lang="en-US" sz="3400" dirty="0">
-                <a:effectLst/>
-                <a:latin typeface=""/>
-                <a:ea typeface="Malgun Gothic" panose="020B0503020000020004" pitchFamily="34" charset="-127"/>
-                <a:cs typeface="Times New Roman" panose="02020603050405020304" pitchFamily="18" charset="0"/>
-              </a:rPr>
-              <a:t> library and also how to synchronize the processes.   The topics of CSC 425 Parallel Computing (elective) are related with how to use OpenMP, </a:t>
-            </a:r>
-            <a:r>
-              <a:rPr lang="en-US" sz="3400" dirty="0" err="1">
-                <a:effectLst/>
-                <a:latin typeface=""/>
-                <a:ea typeface="Malgun Gothic" panose="020B0503020000020004" pitchFamily="34" charset="-127"/>
-                <a:cs typeface="Times New Roman" panose="02020603050405020304" pitchFamily="18" charset="0"/>
-              </a:rPr>
-              <a:t>OpenAcc</a:t>
-            </a:r>
-            <a:r>
-              <a:rPr lang="en-US" sz="3400" dirty="0">
-                <a:effectLst/>
-                <a:latin typeface=""/>
-                <a:ea typeface="Malgun Gothic" panose="020B0503020000020004" pitchFamily="34" charset="-127"/>
-                <a:cs typeface="Times New Roman" panose="02020603050405020304" pitchFamily="18" charset="0"/>
+                <a:cs typeface="Sathu" pitchFamily="2" charset="-34"/>
               </a:rPr>
               <a:t> and MPI with parallel algorithms.</a:t>
             </a:r>
@@ -21164,7 +21149,7 @@
         </p:nvSpPr>
         <p:spPr>
           <a:xfrm>
-            <a:off x="8650781" y="29231601"/>
+            <a:off x="8630726" y="31933419"/>
             <a:ext cx="7315200" cy="1200000"/>
           </a:xfrm>
           <a:prstGeom prst="rect">
@@ -21572,8 +21557,8 @@
         </p:nvSpPr>
         <p:spPr>
           <a:xfrm>
-            <a:off x="8631379" y="5638454"/>
-            <a:ext cx="7315200" cy="21890568"/>
+            <a:off x="8523852" y="5315018"/>
+            <a:ext cx="7279764" cy="27492101"/>
           </a:xfrm>
           <a:prstGeom prst="rect">
             <a:avLst/>
@@ -21622,8 +21607,86 @@
               <a:rPr lang="en-US" sz="4400" dirty="0"/>
               <a:t>  </a:t>
             </a:r>
-            <a:r>
-              <a:rPr lang="en-US" sz="3400" dirty="0"/>
+          </a:p>
+          <a:p>
+            <a:pPr marL="0" marR="0" lvl="0" indent="0" algn="l" rtl="0">
+              <a:lnSpc>
+                <a:spcPct val="100000"/>
+              </a:lnSpc>
+              <a:spcBef>
+                <a:spcPts val="0"/>
+              </a:spcBef>
+              <a:spcAft>
+                <a:spcPts val="0"/>
+              </a:spcAft>
+              <a:buClr>
+                <a:srgbClr val="000000"/>
+              </a:buClr>
+              <a:buSzPts val="3400"/>
+              <a:buFont typeface="Arial"/>
+              <a:buNone/>
+            </a:pPr>
+            <a:r>
+              <a:rPr lang="en-US" sz="3400" dirty="0">
+                <a:latin typeface=""/>
+              </a:rPr>
+              <a:t>The simple problem:</a:t>
+            </a:r>
+            <a:r>
+              <a:rPr lang="en-US" sz="3400" dirty="0">
+                <a:latin typeface=""/>
+                <a:cs typeface="Sana" pitchFamily="2" charset="-78"/>
+              </a:rPr>
+              <a:t> </a:t>
+            </a:r>
+          </a:p>
+          <a:p>
+            <a:pPr marL="0" marR="0" lvl="0" indent="0" algn="l" rtl="0">
+              <a:lnSpc>
+                <a:spcPct val="100000"/>
+              </a:lnSpc>
+              <a:spcBef>
+                <a:spcPts val="0"/>
+              </a:spcBef>
+              <a:spcAft>
+                <a:spcPts val="0"/>
+              </a:spcAft>
+              <a:buClr>
+                <a:srgbClr val="000000"/>
+              </a:buClr>
+              <a:buSzPts val="3400"/>
+              <a:buFont typeface="Arial"/>
+              <a:buNone/>
+            </a:pPr>
+            <a:r>
+              <a:rPr lang="en-US" sz="3400" dirty="0">
+                <a:latin typeface=""/>
+              </a:rPr>
+              <a:t>DNA sequences are represented as character strings, with each character representing a nucleotide type. The DNA sequence alignment problem, or pattern searching problem, identifies coincidences of nucleotide strings in a long DNA sequence. Multiple pattern matching is an complex problem in a DNA sequence. Our assignment addresses this by finding matches in a random main DNA sequence with multiple nucleotide patterns, which can also be random sequences or exact copies of parts of the main sequence. The students are going to use a brute-force algorithm that checks each pattern at every possible position in the DNA sequence, offering parallelization opportunities. The program identifies patterns found in the sequence and their starting positions. The project require that implement direct parallelization opportunities at two levels, patterns and starting positions. </a:t>
+            </a:r>
+          </a:p>
+          <a:p>
+            <a:pPr marL="0" marR="0" lvl="0" indent="0" algn="l" rtl="0">
+              <a:lnSpc>
+                <a:spcPct val="100000"/>
+              </a:lnSpc>
+              <a:spcBef>
+                <a:spcPts val="0"/>
+              </a:spcBef>
+              <a:spcAft>
+                <a:spcPts val="0"/>
+              </a:spcAft>
+              <a:buClr>
+                <a:srgbClr val="000000"/>
+              </a:buClr>
+              <a:buSzPts val="3400"/>
+              <a:buFont typeface="Arial"/>
+              <a:buNone/>
+            </a:pPr>
+            <a:r>
+              <a:rPr lang="en-US" sz="3400" dirty="0">
+                <a:latin typeface=""/>
+              </a:rPr>
               <a:t>Sequence Alignment Sorting.</a:t>
             </a:r>
             <a:endParaRPr lang="en-US" sz="3400" b="1" dirty="0">
@@ -21650,28 +21713,24 @@
             </a:pPr>
             <a:r>
               <a:rPr lang="en-US" sz="3400" dirty="0">
-                <a:latin typeface="Sana" pitchFamily="2" charset="-78"/>
+                <a:latin typeface=""/>
                 <a:cs typeface="Sana" pitchFamily="2" charset="-78"/>
               </a:rPr>
-              <a:t>Many applications have been developed based on the concept of genomic sequencing.  Sequence data for High-Throughput Sequencing (HTS) can be generated at an HPC that has  capability to store its data, process the tasks, and analyze its results. OpenMP works well with C/C++ compilers and its tasks can </a:t>
-            </a:r>
-            <a:r>
-              <a:rPr lang="en-US" sz="3400" b="0" i="0" dirty="0">
-                <a:solidFill>
-                  <a:srgbClr val="131313"/>
-                </a:solidFill>
-                <a:effectLst/>
-                <a:latin typeface="Sana" pitchFamily="2" charset="-78"/>
+              <a:t>Many applications have been developed based on the concept of genomic sequencing.  Sequence data for High-Throughput Sequencing (HTS) can be generated at an HPC that has  capability to store its data, process the tasks, and analyze its results. </a:t>
+            </a:r>
+            <a:r>
+              <a:rPr lang="en-US" sz="3400" dirty="0" err="1">
+                <a:latin typeface=""/>
                 <a:cs typeface="Sana" pitchFamily="2" charset="-78"/>
               </a:rPr>
-              <a:t>concisely</a:t>
+              <a:t>SAMtools</a:t>
             </a:r>
             <a:r>
               <a:rPr lang="en-US" sz="3400" dirty="0">
-                <a:latin typeface="Sana" pitchFamily="2" charset="-78"/>
+                <a:latin typeface=""/>
                 <a:cs typeface="Sana" pitchFamily="2" charset="-78"/>
               </a:rPr>
-              <a:t>  implement the task parallelism based on its parallel algorithm written in POSIX thread.</a:t>
+              <a:t> can sort sequence alignment data and  a Binary Alignment/Map (BAM) file is a sequence alignment file format.</a:t>
             </a:r>
           </a:p>
           <a:p>
@@ -21694,254 +21753,95 @@
             </a:pPr>
             <a:r>
               <a:rPr lang="en-US" sz="3400" dirty="0">
-                <a:latin typeface="Sana" pitchFamily="2" charset="-78"/>
+                <a:latin typeface=""/>
                 <a:cs typeface="Sana" pitchFamily="2" charset="-78"/>
               </a:rPr>
-              <a:t>a sequence aligner  reads  to a reference genome assembly to find same or similar  to the short segments of DNA .  </a:t>
+              <a:t>OpenMP utilize </a:t>
             </a:r>
             <a:r>
               <a:rPr lang="en-US" sz="3400" dirty="0" err="1">
-                <a:latin typeface="Sana" pitchFamily="2" charset="-78"/>
+                <a:latin typeface=""/>
                 <a:cs typeface="Sana" pitchFamily="2" charset="-78"/>
               </a:rPr>
               <a:t>SAMtools</a:t>
             </a:r>
             <a:r>
               <a:rPr lang="en-US" sz="3400" dirty="0">
-                <a:latin typeface="Sana" pitchFamily="2" charset="-78"/>
+                <a:latin typeface=""/>
                 <a:cs typeface="Sana" pitchFamily="2" charset="-78"/>
               </a:rPr>
-              <a:t> can sort sequence alignment data and  a Binary Alignment/Map (BAM) file is a sequence alignment file format.</a:t>
-            </a:r>
-          </a:p>
-          <a:p>
-            <a:pPr marL="0" marR="0" lvl="0" indent="0" algn="l" rtl="0">
-              <a:lnSpc>
-                <a:spcPct val="100000"/>
-              </a:lnSpc>
-              <a:spcBef>
-                <a:spcPts val="0"/>
-              </a:spcBef>
-              <a:spcAft>
-                <a:spcPts val="0"/>
-              </a:spcAft>
-              <a:buClr>
-                <a:srgbClr val="000000"/>
-              </a:buClr>
-              <a:buSzPts val="3400"/>
-              <a:buFont typeface="Arial"/>
-              <a:buNone/>
-            </a:pPr>
+              <a:t> and </a:t>
+            </a:r>
+            <a:r>
+              <a:rPr lang="en-US" sz="3400" dirty="0" err="1">
+                <a:latin typeface=""/>
+                <a:cs typeface="Sana" pitchFamily="2" charset="-78"/>
+              </a:rPr>
+              <a:t>HTSlib</a:t>
+            </a:r>
             <a:r>
               <a:rPr lang="en-US" sz="3400" dirty="0">
-                <a:latin typeface="Sana" pitchFamily="2" charset="-78"/>
+                <a:latin typeface=""/>
                 <a:cs typeface="Sana" pitchFamily="2" charset="-78"/>
               </a:rPr>
-              <a:t>OpenMP utilize </a:t>
+              <a:t> for two tasks: </a:t>
             </a:r>
             <a:r>
               <a:rPr lang="en-US" sz="3400" dirty="0" err="1">
-                <a:latin typeface="Sana" pitchFamily="2" charset="-78"/>
+                <a:latin typeface=""/>
                 <a:cs typeface="Sana" pitchFamily="2" charset="-78"/>
               </a:rPr>
+              <a:t>i</a:t>
+            </a:r>
+            <a:r>
+              <a:rPr lang="en-US" sz="3400" dirty="0">
+                <a:latin typeface=""/>
+                <a:cs typeface="Sana" pitchFamily="2" charset="-78"/>
+              </a:rPr>
+              <a:t>) Overlap decoding of BGZF blocks (</a:t>
+            </a:r>
+            <a:r>
+              <a:rPr lang="en-US" sz="3400" dirty="0" err="1">
+                <a:latin typeface=""/>
+                <a:cs typeface="Sana" pitchFamily="2" charset="-78"/>
+              </a:rPr>
+              <a:t>HTSlib</a:t>
+            </a:r>
+            <a:r>
+              <a:rPr lang="en-US" sz="3400" dirty="0">
+                <a:latin typeface=""/>
+                <a:cs typeface="Sana" pitchFamily="2" charset="-78"/>
+              </a:rPr>
+              <a:t>); ii) sorting of groups of uncompressed sequence alignment records (</a:t>
+            </a:r>
+            <a:r>
+              <a:rPr lang="en-US" sz="3400" dirty="0" err="1">
+                <a:latin typeface=""/>
+                <a:cs typeface="Sana" pitchFamily="2" charset="-78"/>
+              </a:rPr>
               <a:t>SAMtools</a:t>
             </a:r>
             <a:r>
               <a:rPr lang="en-US" sz="3400" dirty="0">
-                <a:latin typeface="Sana" pitchFamily="2" charset="-78"/>
+                <a:latin typeface=""/>
                 <a:cs typeface="Sana" pitchFamily="2" charset="-78"/>
               </a:rPr>
-              <a:t> and </a:t>
+              <a:t>);  iii) improve the parallel efficiency of BGZF encoding the resulting sorted sequence alignments (</a:t>
             </a:r>
             <a:r>
               <a:rPr lang="en-US" sz="3400" dirty="0" err="1">
-                <a:latin typeface="Sana" pitchFamily="2" charset="-78"/>
+                <a:latin typeface=""/>
                 <a:cs typeface="Sana" pitchFamily="2" charset="-78"/>
               </a:rPr>
               <a:t>HTSlib</a:t>
             </a:r>
             <a:r>
               <a:rPr lang="en-US" sz="3400" dirty="0">
-                <a:latin typeface="Sana" pitchFamily="2" charset="-78"/>
+                <a:latin typeface=""/>
                 <a:cs typeface="Sana" pitchFamily="2" charset="-78"/>
               </a:rPr>
-              <a:t> for two tasks: </a:t>
-            </a:r>
-            <a:r>
-              <a:rPr lang="en-US" sz="3400" dirty="0" err="1">
-                <a:latin typeface="Sana" pitchFamily="2" charset="-78"/>
-                <a:cs typeface="Sana" pitchFamily="2" charset="-78"/>
-              </a:rPr>
-              <a:t>i</a:t>
-            </a:r>
-            <a:r>
-              <a:rPr lang="en-US" sz="3400" dirty="0">
-                <a:latin typeface="Sana" pitchFamily="2" charset="-78"/>
-                <a:cs typeface="Sana" pitchFamily="2" charset="-78"/>
-              </a:rPr>
-              <a:t>) Overlap decoding of BGZF blocks (</a:t>
-            </a:r>
-            <a:r>
-              <a:rPr lang="en-US" sz="3400" dirty="0" err="1">
-                <a:latin typeface="Sana" pitchFamily="2" charset="-78"/>
-                <a:cs typeface="Sana" pitchFamily="2" charset="-78"/>
-              </a:rPr>
-              <a:t>HTSlib</a:t>
-            </a:r>
-            <a:r>
-              <a:rPr lang="en-US" sz="3400" dirty="0">
-                <a:latin typeface="Sana" pitchFamily="2" charset="-78"/>
-                <a:cs typeface="Sana" pitchFamily="2" charset="-78"/>
-              </a:rPr>
-              <a:t>); ii) sorting of groups of uncompressed sequence alignment records (</a:t>
-            </a:r>
-            <a:r>
-              <a:rPr lang="en-US" sz="3400" dirty="0" err="1">
-                <a:latin typeface="Sana" pitchFamily="2" charset="-78"/>
-                <a:cs typeface="Sana" pitchFamily="2" charset="-78"/>
-              </a:rPr>
-              <a:t>SAMtools</a:t>
-            </a:r>
-            <a:r>
-              <a:rPr lang="en-US" sz="3400" dirty="0">
-                <a:latin typeface="Sana" pitchFamily="2" charset="-78"/>
-                <a:cs typeface="Sana" pitchFamily="2" charset="-78"/>
-              </a:rPr>
-              <a:t>);  iii) improve the parallel efficiency of BGZF encoding the resulting sorted sequence alignments (</a:t>
-            </a:r>
-            <a:r>
-              <a:rPr lang="en-US" sz="3400" dirty="0" err="1">
-                <a:latin typeface="Sana" pitchFamily="2" charset="-78"/>
-                <a:cs typeface="Sana" pitchFamily="2" charset="-78"/>
-              </a:rPr>
-              <a:t>HTSlib</a:t>
-            </a:r>
-            <a:r>
-              <a:rPr lang="en-US" sz="3400" dirty="0">
-                <a:latin typeface="Sana" pitchFamily="2" charset="-78"/>
-                <a:cs typeface="Sana" pitchFamily="2" charset="-78"/>
-              </a:rPr>
               <a:t>).</a:t>
             </a:r>
-          </a:p>
-          <a:p>
-            <a:pPr marL="0" marR="0" lvl="0" indent="0" algn="l" rtl="0">
-              <a:lnSpc>
-                <a:spcPct val="100000"/>
-              </a:lnSpc>
-              <a:spcBef>
-                <a:spcPts val="0"/>
-              </a:spcBef>
-              <a:spcAft>
-                <a:spcPts val="0"/>
-              </a:spcAft>
-              <a:buClr>
-                <a:srgbClr val="000000"/>
-              </a:buClr>
-              <a:buSzPts val="3400"/>
-              <a:buFont typeface="Arial"/>
-              <a:buNone/>
-            </a:pPr>
-            <a:endParaRPr lang="en-US" sz="3400" dirty="0">
-              <a:latin typeface="Sana" pitchFamily="2" charset="-78"/>
-              <a:cs typeface="Sana" pitchFamily="2" charset="-78"/>
-            </a:endParaRPr>
-          </a:p>
-          <a:p>
-            <a:pPr marL="0" marR="0" lvl="0" indent="0" algn="l" rtl="0">
-              <a:lnSpc>
-                <a:spcPct val="100000"/>
-              </a:lnSpc>
-              <a:spcBef>
-                <a:spcPts val="0"/>
-              </a:spcBef>
-              <a:spcAft>
-                <a:spcPts val="0"/>
-              </a:spcAft>
-              <a:buClr>
-                <a:srgbClr val="000000"/>
-              </a:buClr>
-              <a:buSzPts val="3400"/>
-              <a:buFont typeface="Arial"/>
-              <a:buNone/>
-            </a:pPr>
-            <a:r>
-              <a:rPr lang="en-US" sz="3600" dirty="0"/>
-              <a:t>The assignment problem:</a:t>
-            </a:r>
-            <a:r>
-              <a:rPr lang="en-US" sz="3600" dirty="0">
-                <a:latin typeface="Sana" pitchFamily="2" charset="-78"/>
-                <a:cs typeface="Sana" pitchFamily="2" charset="-78"/>
-              </a:rPr>
-              <a:t> </a:t>
-            </a:r>
-          </a:p>
-          <a:p>
-            <a:pPr marL="0" marR="0" lvl="0" indent="0" algn="l" rtl="0">
-              <a:lnSpc>
-                <a:spcPct val="100000"/>
-              </a:lnSpc>
-              <a:spcBef>
-                <a:spcPts val="0"/>
-              </a:spcBef>
-              <a:spcAft>
-                <a:spcPts val="0"/>
-              </a:spcAft>
-              <a:buClr>
-                <a:srgbClr val="000000"/>
-              </a:buClr>
-              <a:buSzPts val="3400"/>
-              <a:buFont typeface="Arial"/>
-              <a:buNone/>
-            </a:pPr>
-            <a:r>
-              <a:rPr lang="en-US" sz="3400" dirty="0">
-                <a:latin typeface="Sana" pitchFamily="2" charset="-78"/>
-                <a:cs typeface="Sana" pitchFamily="2" charset="-78"/>
-              </a:rPr>
-              <a:t>There is an alternative method to search patterns from DNA sequency. The students can generate patterns and location and then inserted them into DNA sequence for testing their program.  The time complexity of the algorithm for DNA sequency is O(</a:t>
-            </a:r>
-            <a:r>
-              <a:rPr lang="en-US" sz="3400" dirty="0" err="1">
-                <a:latin typeface="Sana" pitchFamily="2" charset="-78"/>
-                <a:cs typeface="Sana" pitchFamily="2" charset="-78"/>
-              </a:rPr>
-              <a:t>mn</a:t>
-            </a:r>
-            <a:r>
-              <a:rPr lang="en-US" sz="3400" dirty="0">
-                <a:latin typeface="Sana" pitchFamily="2" charset="-78"/>
-                <a:cs typeface="Sana" pitchFamily="2" charset="-78"/>
-              </a:rPr>
-              <a:t>)  where m  is the length of DNA and  n is the size of pattern.</a:t>
-            </a:r>
-            <a:endParaRPr lang="en-US" sz="3400" baseline="30000" dirty="0">
-              <a:latin typeface="Sana" pitchFamily="2" charset="-78"/>
-              <a:cs typeface="Sana" pitchFamily="2" charset="-78"/>
-            </a:endParaRPr>
-          </a:p>
-          <a:p>
-            <a:pPr marL="0" marR="0" lvl="0" indent="0" algn="l" rtl="0">
-              <a:lnSpc>
-                <a:spcPct val="100000"/>
-              </a:lnSpc>
-              <a:spcBef>
-                <a:spcPts val="0"/>
-              </a:spcBef>
-              <a:spcAft>
-                <a:spcPts val="0"/>
-              </a:spcAft>
-              <a:buClr>
-                <a:srgbClr val="000000"/>
-              </a:buClr>
-              <a:buSzPts val="3400"/>
-              <a:buFont typeface="Arial"/>
-              <a:buNone/>
-            </a:pPr>
-            <a:endParaRPr lang="en-US" sz="3400" dirty="0">
-              <a:latin typeface=""/>
-            </a:endParaRPr>
           </a:p>
         </p:txBody>
       </p:sp>
@@ -21953,7 +21853,7 @@
         </p:nvSpPr>
         <p:spPr>
           <a:xfrm>
-            <a:off x="8522121" y="30828771"/>
+            <a:off x="8488416" y="33184139"/>
             <a:ext cx="7315200" cy="7717457"/>
           </a:xfrm>
           <a:prstGeom prst="rect">
@@ -23737,7 +23637,7 @@
         <p:spPr>
           <a:xfrm>
             <a:off x="242847" y="34364795"/>
-            <a:ext cx="7298180" cy="5539978"/>
+            <a:ext cx="7298180" cy="6063198"/>
           </a:xfrm>
           <a:prstGeom prst="rect">
             <a:avLst/>
@@ -23753,7 +23653,7 @@
             <a:r>
               <a:rPr lang="en-US" sz="3400" dirty="0">
                 <a:effectLst/>
-                <a:latin typeface="Calibri" panose="020F0502020204030204" pitchFamily="34" charset="0"/>
+                <a:latin typeface=""/>
                 <a:ea typeface="Malgun Gothic" panose="020B0503020000020004" pitchFamily="34" charset="-127"/>
                 <a:cs typeface="Times New Roman" panose="02020603050405020304" pitchFamily="18" charset="0"/>
               </a:rPr>
@@ -23762,7 +23662,7 @@
             <a:r>
               <a:rPr lang="en-US" sz="3400" dirty="0" err="1">
                 <a:effectLst/>
-                <a:latin typeface="Calibri" panose="020F0502020204030204" pitchFamily="34" charset="0"/>
+                <a:latin typeface=""/>
                 <a:ea typeface="Malgun Gothic" panose="020B0503020000020004" pitchFamily="34" charset="-127"/>
                 <a:cs typeface="Times New Roman" panose="02020603050405020304" pitchFamily="18" charset="0"/>
               </a:rPr>
@@ -23771,7 +23671,7 @@
             <a:r>
               <a:rPr lang="en-US" sz="3400" dirty="0">
                 <a:effectLst/>
-                <a:latin typeface="Calibri" panose="020F0502020204030204" pitchFamily="34" charset="0"/>
+                <a:latin typeface=""/>
                 <a:ea typeface="Malgun Gothic" panose="020B0503020000020004" pitchFamily="34" charset="-127"/>
                 <a:cs typeface="Times New Roman" panose="02020603050405020304" pitchFamily="18" charset="0"/>
               </a:rPr>
@@ -23785,7 +23685,7 @@
                 <a:highlight>
                   <a:srgbClr val="FFFFFF"/>
                 </a:highlight>
-                <a:latin typeface="Times New Roman" panose="02020603050405020304" pitchFamily="18" charset="0"/>
+                <a:latin typeface=""/>
                 <a:ea typeface="Malgun Gothic" panose="020B0503020000020004" pitchFamily="34" charset="-127"/>
                 <a:cs typeface="Times New Roman" panose="02020603050405020304" pitchFamily="18" charset="0"/>
               </a:rPr>
@@ -23800,7 +23700,7 @@
                 <a:highlight>
                   <a:srgbClr val="FFFFFF"/>
                 </a:highlight>
-                <a:latin typeface="Times New Roman" panose="02020603050405020304" pitchFamily="18" charset="0"/>
+                <a:latin typeface=""/>
                 <a:ea typeface="Times New Roman" panose="02020603050405020304" pitchFamily="18" charset="0"/>
               </a:rPr>
               <a:t>Fibonacci computation</a:t>
@@ -23813,7 +23713,7 @@
                 <a:highlight>
                   <a:srgbClr val="FFFFFF"/>
                 </a:highlight>
-                <a:latin typeface="Arial" panose="020B0604020202020204" pitchFamily="34" charset="0"/>
+                <a:latin typeface=""/>
                 <a:ea typeface="Malgun Gothic" panose="020B0503020000020004" pitchFamily="34" charset="-127"/>
               </a:rPr>
               <a:t> </a:t>
@@ -23821,7 +23721,7 @@
             <a:r>
               <a:rPr lang="en-US" sz="3400" dirty="0">
                 <a:effectLst/>
-                <a:latin typeface="Times New Roman" panose="02020603050405020304" pitchFamily="18" charset="0"/>
+                <a:latin typeface=""/>
                 <a:ea typeface="Times New Roman" panose="02020603050405020304" pitchFamily="18" charset="0"/>
               </a:rPr>
               <a:t>Algorithms;</a:t>
@@ -23829,7 +23729,7 @@
             <a:r>
               <a:rPr lang="en-US" sz="3400" dirty="0">
                 <a:effectLst/>
-                <a:latin typeface="Calibri" panose="020F0502020204030204" pitchFamily="34" charset="0"/>
+                <a:latin typeface=""/>
                 <a:ea typeface="Malgun Gothic" panose="020B0503020000020004" pitchFamily="34" charset="-127"/>
                 <a:cs typeface="Times New Roman" panose="02020603050405020304" pitchFamily="18" charset="0"/>
               </a:rPr>
@@ -23838,7 +23738,7 @@
             <a:r>
               <a:rPr lang="en-US" sz="3400" dirty="0">
                 <a:effectLst/>
-                <a:latin typeface="Times New Roman" panose="02020603050405020304" pitchFamily="18" charset="0"/>
+                <a:latin typeface=""/>
                 <a:ea typeface="Times New Roman" panose="02020603050405020304" pitchFamily="18" charset="0"/>
               </a:rPr>
               <a:t> </a:t>
@@ -23849,7 +23749,7 @@
                   <a:srgbClr val="001D35"/>
                 </a:solidFill>
                 <a:effectLst/>
-                <a:latin typeface="Calibri" panose="020F0502020204030204" pitchFamily="34" charset="0"/>
+                <a:latin typeface=""/>
                 <a:ea typeface="Malgun Gothic" panose="020B0503020000020004" pitchFamily="34" charset="-127"/>
                 <a:cs typeface="Calibri" panose="020F0502020204030204" pitchFamily="34" charset="0"/>
               </a:rPr>
@@ -23858,7 +23758,7 @@
             <a:r>
               <a:rPr lang="en-US" sz="3400" dirty="0">
                 <a:effectLst/>
-                <a:latin typeface="Calibri" panose="020F0502020204030204" pitchFamily="34" charset="0"/>
+                <a:latin typeface=""/>
                 <a:ea typeface="Malgun Gothic" panose="020B0503020000020004" pitchFamily="34" charset="-127"/>
                 <a:cs typeface="Times New Roman" panose="02020603050405020304" pitchFamily="18" charset="0"/>
               </a:rPr>
@@ -23870,7 +23770,7 @@
                   <a:srgbClr val="000000"/>
                 </a:solidFill>
                 <a:effectLst/>
-                <a:latin typeface="Calibri" panose="020F0502020204030204" pitchFamily="34" charset="0"/>
+                <a:latin typeface=""/>
                 <a:ea typeface="Malgun Gothic" panose="020B0503020000020004" pitchFamily="34" charset="-127"/>
                 <a:cs typeface="Times New Roman" panose="02020603050405020304" pitchFamily="18" charset="0"/>
               </a:rPr>
@@ -23879,7 +23779,7 @@
             <a:r>
               <a:rPr lang="en-US" sz="3400" dirty="0">
                 <a:effectLst/>
-                <a:latin typeface="Calibri" panose="020F0502020204030204" pitchFamily="34" charset="0"/>
+                <a:latin typeface=""/>
                 <a:ea typeface="Malgun Gothic" panose="020B0503020000020004" pitchFamily="34" charset="-127"/>
                 <a:cs typeface="Times New Roman" panose="02020603050405020304" pitchFamily="18" charset="0"/>
               </a:rPr>
@@ -23888,7 +23788,7 @@
             <a:r>
               <a:rPr lang="en-US" sz="3400" dirty="0" err="1">
                 <a:effectLst/>
-                <a:latin typeface="Calibri" panose="020F0502020204030204" pitchFamily="34" charset="0"/>
+                <a:latin typeface=""/>
                 <a:ea typeface="Malgun Gothic" panose="020B0503020000020004" pitchFamily="34" charset="-127"/>
                 <a:cs typeface="Times New Roman" panose="02020603050405020304" pitchFamily="18" charset="0"/>
               </a:rPr>
@@ -23897,7 +23797,7 @@
             <a:r>
               <a:rPr lang="en-US" sz="3400" dirty="0">
                 <a:effectLst/>
-                <a:latin typeface="Calibri" panose="020F0502020204030204" pitchFamily="34" charset="0"/>
+                <a:latin typeface=""/>
                 <a:ea typeface="Malgun Gothic" panose="020B0503020000020004" pitchFamily="34" charset="-127"/>
                 <a:cs typeface="Times New Roman" panose="02020603050405020304" pitchFamily="18" charset="0"/>
               </a:rPr>

--- a/FacultyHack Sungbum Poster [Autosaved] [Autosaved].pptx
+++ b/FacultyHack Sungbum Poster [Autosaved] [Autosaved].pptx
@@ -20824,7 +20824,7 @@
         <p:spPr>
           <a:xfrm>
             <a:off x="242852" y="5440275"/>
-            <a:ext cx="7432180" cy="27861433"/>
+            <a:ext cx="7432180" cy="28907873"/>
           </a:xfrm>
           <a:prstGeom prst="rect">
             <a:avLst/>
@@ -20848,7 +20848,24 @@
                 <a:ea typeface="Malgun Gothic" panose="020B0503020000020004" pitchFamily="34" charset="-127"/>
                 <a:cs typeface="Sathu" pitchFamily="2" charset="-34"/>
               </a:rPr>
-              <a:t>Recent changes in industry want to acquire workforce to developing software for parallel computing such as multicore CPUs, GPUs. Unlike the sequential computing environment, personals who want to work for this area must be familiar to the new hardware environment.  The course is for the junior or senior Computer Science (CS) and Computer Engineering (CE) major students. Based on the curriculum, all students finished programming languages, operating systems, computer architecture and data structure courses to make sequential programs.  The Parallel Programming education for CS and CE majors will play a major role in preparing well trained graduates to join this workforce. From the course, we are going to focus on improving hands on skills and understating and implementing parallel algorithms.  The topics of the course include  not only programming languages with the libraries such as OpenMP, MPI, and </a:t>
+              <a:t>Recent changes in industry need to upgrade software developing skills of workforce for parallel computing environment such as multicore CPUs, GPUs. Unlike the sequential computing environment, personals who want to work for this area must be familiar to the multi-cores, multi-processor, and GPUs.  The course is for the junior or senior Computer Science (CS) and Computer Engineering (CE) major students. Based on the curriculum, all students finished programming languages, operating systems, computer architecture and data structure courses to make sequential programs.  The parallel </a:t>
+            </a:r>
+            <a:r>
+              <a:rPr lang="en-US" sz="3400" dirty="0">
+                <a:latin typeface=""/>
+                <a:ea typeface="Malgun Gothic" panose="020B0503020000020004" pitchFamily="34" charset="-127"/>
+                <a:cs typeface="Sathu" pitchFamily="2" charset="-34"/>
+              </a:rPr>
+              <a:t>p</a:t>
+            </a:r>
+            <a:r>
+              <a:rPr lang="en-US" sz="3400" dirty="0">
+                <a:effectLst/>
+                <a:latin typeface=""/>
+                <a:ea typeface="Malgun Gothic" panose="020B0503020000020004" pitchFamily="34" charset="-127"/>
+                <a:cs typeface="Sathu" pitchFamily="2" charset="-34"/>
+              </a:rPr>
+              <a:t>rogramming education for CS and CE majors will play a major role in preparing well-trained graduates to join this workforce. From the course, we are going to focus on improving hands on skills with the libraries and understating and implementing parallel algorithms.  The topics of the course include programming languages with the libraries such as OpenMP, MPI, and </a:t>
             </a:r>
             <a:r>
               <a:rPr lang="en-US" sz="3400" dirty="0" err="1">
@@ -20866,7 +20883,7 @@
                 <a:ea typeface="Malgun Gothic" panose="020B0503020000020004" pitchFamily="34" charset="-127"/>
                 <a:cs typeface="Sathu" pitchFamily="2" charset="-34"/>
               </a:rPr>
-              <a:t> and also  programming model.  The programming models consists of several subareas: </a:t>
+              <a:t>. The programming models consists of several subareas: </a:t>
             </a:r>
             <a:r>
               <a:rPr lang="en-US" sz="3400" dirty="0" err="1">
@@ -20884,28 +20901,15 @@
                 <a:ea typeface="Malgun Gothic" panose="020B0503020000020004" pitchFamily="34" charset="-127"/>
                 <a:cs typeface="Sathu" pitchFamily="2" charset="-34"/>
               </a:rPr>
-              <a:t>) data parallelism; ii) task parallelism;  multithreaded programming;  shared memory model; message-passing model; and Partitioned Global Address Space model. These projects require a large space for large data sets  and computing power. As part of this effort, some of the NSF/IEEE-TCPP curriculum initiative on Parallel and Distributed Computing (PDC) modules were  integrated into department-wide core and elective courses offered in both fall and spring semesters. From CSC 325 Operating Systems (core), the students will learn how to write simple parallel program </a:t>
+              <a:t>) data parallelism; ii) task parallelism;  iii)multithreaded programming;  iv)shared memory model; v) message-passing model; and vi) partitioned </a:t>
             </a:r>
             <a:r>
               <a:rPr lang="en-US" sz="3400" dirty="0">
                 <a:latin typeface=""/>
+                <a:ea typeface="Malgun Gothic" panose="020B0503020000020004" pitchFamily="34" charset="-127"/>
                 <a:cs typeface="Sathu" pitchFamily="2" charset="-34"/>
               </a:rPr>
-              <a:t>POSIX threads (</a:t>
-            </a:r>
-            <a:r>
-              <a:rPr lang="en-US" sz="3400" dirty="0" err="1">
-                <a:latin typeface=""/>
-                <a:cs typeface="Sathu" pitchFamily="2" charset="-34"/>
-              </a:rPr>
-              <a:t>pthreads</a:t>
-            </a:r>
-            <a:r>
-              <a:rPr lang="en-US" sz="3400" dirty="0">
-                <a:latin typeface=""/>
-                <a:cs typeface="Sathu" pitchFamily="2" charset="-34"/>
-              </a:rPr>
-              <a:t>) </a:t>
+              <a:t>g</a:t>
             </a:r>
             <a:r>
               <a:rPr lang="en-US" sz="3400" dirty="0">
@@ -20914,7 +20918,57 @@
                 <a:ea typeface="Malgun Gothic" panose="020B0503020000020004" pitchFamily="34" charset="-127"/>
                 <a:cs typeface="Sathu" pitchFamily="2" charset="-34"/>
               </a:rPr>
-              <a:t> library and also how to synchronize the processes.   The topics of CSC 425 Parallel Computing (elective) are related with how to use OpenMP, </a:t>
+              <a:t>lobal </a:t>
+            </a:r>
+            <a:r>
+              <a:rPr lang="en-US" sz="3400" dirty="0">
+                <a:latin typeface=""/>
+                <a:ea typeface="Malgun Gothic" panose="020B0503020000020004" pitchFamily="34" charset="-127"/>
+                <a:cs typeface="Sathu" pitchFamily="2" charset="-34"/>
+              </a:rPr>
+              <a:t>a</a:t>
+            </a:r>
+            <a:r>
+              <a:rPr lang="en-US" sz="3400" dirty="0">
+                <a:effectLst/>
+                <a:latin typeface=""/>
+                <a:ea typeface="Malgun Gothic" panose="020B0503020000020004" pitchFamily="34" charset="-127"/>
+                <a:cs typeface="Sathu" pitchFamily="2" charset="-34"/>
+              </a:rPr>
+              <a:t>ddress </a:t>
+            </a:r>
+            <a:r>
+              <a:rPr lang="en-US" sz="3400" dirty="0">
+                <a:latin typeface=""/>
+                <a:ea typeface="Malgun Gothic" panose="020B0503020000020004" pitchFamily="34" charset="-127"/>
+                <a:cs typeface="Sathu" pitchFamily="2" charset="-34"/>
+              </a:rPr>
+              <a:t>s</a:t>
+            </a:r>
+            <a:r>
+              <a:rPr lang="en-US" sz="3400" dirty="0">
+                <a:effectLst/>
+                <a:latin typeface=""/>
+                <a:ea typeface="Malgun Gothic" panose="020B0503020000020004" pitchFamily="34" charset="-127"/>
+                <a:cs typeface="Sathu" pitchFamily="2" charset="-34"/>
+              </a:rPr>
+              <a:t>pace model. These projects require a large space for large data sets  and computing power. As part of this effort, some of the NSF/IEEE-TCPP curriculum initiative on Parallel and Distributed Computing (PDC) modules were  integrated into department-wide core and elective courses offered in both fall and spring semesters. From CSC 325 Operating Systems (core), the students will learn how to write simple parallel program with </a:t>
+            </a:r>
+            <a:r>
+              <a:rPr lang="en-US" sz="3400" dirty="0">
+                <a:latin typeface=""/>
+                <a:cs typeface="Sathu" pitchFamily="2" charset="-34"/>
+              </a:rPr>
+              <a:t>POSIX threads </a:t>
+            </a:r>
+            <a:r>
+              <a:rPr lang="en-US" sz="3400" dirty="0">
+                <a:effectLst/>
+                <a:latin typeface=""/>
+                <a:ea typeface="Malgun Gothic" panose="020B0503020000020004" pitchFamily="34" charset="-127"/>
+                <a:cs typeface="Sathu" pitchFamily="2" charset="-34"/>
+              </a:rPr>
+              <a:t>library and also how to synchronize the processes.   The topics of CSC 425 Parallel Computing (elective) are focusing on how to use OpenMP, </a:t>
             </a:r>
             <a:r>
               <a:rPr lang="en-US" sz="3400" dirty="0" err="1">
@@ -21013,7 +21067,7 @@
         </p:nvSpPr>
         <p:spPr>
           <a:xfrm>
-            <a:off x="242852" y="33224928"/>
+            <a:off x="290925" y="33850638"/>
             <a:ext cx="7315200" cy="1200000"/>
           </a:xfrm>
           <a:prstGeom prst="rect">
@@ -21149,7 +21203,7 @@
         </p:nvSpPr>
         <p:spPr>
           <a:xfrm>
-            <a:off x="8630726" y="31933419"/>
+            <a:off x="8650781" y="30709804"/>
             <a:ext cx="7315200" cy="1200000"/>
           </a:xfrm>
           <a:prstGeom prst="rect">
@@ -21557,8 +21611,8 @@
         </p:nvSpPr>
         <p:spPr>
           <a:xfrm>
-            <a:off x="8523852" y="5315018"/>
-            <a:ext cx="7279764" cy="27492101"/>
+            <a:off x="8680060" y="4441318"/>
+            <a:ext cx="7432180" cy="25922441"/>
           </a:xfrm>
           <a:prstGeom prst="rect">
             <a:avLst/>
@@ -21627,10 +21681,16 @@
               <a:buNone/>
             </a:pPr>
             <a:r>
+              <a:rPr lang="en-US" sz="3400" b="1" i="1" dirty="0">
+                <a:latin typeface=""/>
+              </a:rPr>
+              <a:t>The simple DNA problem</a:t>
+            </a:r>
+            <a:r>
               <a:rPr lang="en-US" sz="3400" dirty="0">
                 <a:latin typeface=""/>
               </a:rPr>
-              <a:t>The simple problem:</a:t>
+              <a:t>:</a:t>
             </a:r>
             <a:r>
               <a:rPr lang="en-US" sz="3400" dirty="0">
@@ -21684,10 +21744,16 @@
               <a:buNone/>
             </a:pPr>
             <a:r>
+              <a:rPr lang="en-US" sz="3400" b="1" i="1" dirty="0">
+                <a:latin typeface=""/>
+              </a:rPr>
+              <a:t>Sequence Alignment Sorting</a:t>
+            </a:r>
+            <a:r>
               <a:rPr lang="en-US" sz="3400" dirty="0">
                 <a:latin typeface=""/>
               </a:rPr>
-              <a:t>Sequence Alignment Sorting.</a:t>
+              <a:t>.</a:t>
             </a:r>
             <a:endParaRPr lang="en-US" sz="3400" b="1" dirty="0">
               <a:latin typeface=""/>
@@ -21853,7 +21919,7 @@
         </p:nvSpPr>
         <p:spPr>
           <a:xfrm>
-            <a:off x="8488416" y="33184139"/>
+            <a:off x="8446305" y="32005906"/>
             <a:ext cx="7315200" cy="7717457"/>
           </a:xfrm>
           <a:prstGeom prst="rect">
@@ -23636,8 +23702,8 @@
         </p:nvSpPr>
         <p:spPr>
           <a:xfrm>
-            <a:off x="242847" y="34364795"/>
-            <a:ext cx="7298180" cy="6063198"/>
+            <a:off x="287686" y="35142675"/>
+            <a:ext cx="7298180" cy="3754874"/>
           </a:xfrm>
           <a:prstGeom prst="rect">
             <a:avLst/>
@@ -23762,49 +23828,8 @@
                 <a:ea typeface="Malgun Gothic" panose="020B0503020000020004" pitchFamily="34" charset="-127"/>
                 <a:cs typeface="Times New Roman" panose="02020603050405020304" pitchFamily="18" charset="0"/>
               </a:rPr>
-              <a:t> (PCA) for Large Data Sets with Parallel Data Summarization; iii) Parallel algorithm for DNA sequence. OpenMP, </a:t>
-            </a:r>
-            <a:r>
-              <a:rPr lang="en-US" sz="3400" i="0" dirty="0">
-                <a:solidFill>
-                  <a:srgbClr val="000000"/>
-                </a:solidFill>
-                <a:effectLst/>
-                <a:latin typeface=""/>
-                <a:ea typeface="Malgun Gothic" panose="020B0503020000020004" pitchFamily="34" charset="-127"/>
-                <a:cs typeface="Times New Roman" panose="02020603050405020304" pitchFamily="18" charset="0"/>
-              </a:rPr>
-              <a:t>Message Passing Interface (</a:t>
-            </a:r>
-            <a:r>
-              <a:rPr lang="en-US" sz="3400" dirty="0">
-                <a:effectLst/>
-                <a:latin typeface=""/>
-                <a:ea typeface="Malgun Gothic" panose="020B0503020000020004" pitchFamily="34" charset="-127"/>
-                <a:cs typeface="Times New Roman" panose="02020603050405020304" pitchFamily="18" charset="0"/>
-              </a:rPr>
-              <a:t>MPI) and </a:t>
-            </a:r>
-            <a:r>
-              <a:rPr lang="en-US" sz="3400" dirty="0" err="1">
-                <a:effectLst/>
-                <a:latin typeface=""/>
-                <a:ea typeface="Malgun Gothic" panose="020B0503020000020004" pitchFamily="34" charset="-127"/>
-                <a:cs typeface="Times New Roman" panose="02020603050405020304" pitchFamily="18" charset="0"/>
-              </a:rPr>
-              <a:t>OpenACC</a:t>
-            </a:r>
-            <a:r>
-              <a:rPr lang="en-US" sz="3400" dirty="0">
-                <a:effectLst/>
-                <a:latin typeface=""/>
-                <a:ea typeface="Malgun Gothic" panose="020B0503020000020004" pitchFamily="34" charset="-127"/>
-                <a:cs typeface="Times New Roman" panose="02020603050405020304" pitchFamily="18" charset="0"/>
-              </a:rPr>
-              <a:t> are going to be used to implement the algorithms. </a:t>
-            </a:r>
-          </a:p>
-          <a:p>
+              <a:t> (PCA) for Large Data Sets with Parallel Data Summarization; iii) Parallel algorithm for DNA sequence. </a:t>
+            </a:r>
             <a:endParaRPr lang="en-US" dirty="0"/>
           </a:p>
         </p:txBody>

--- a/FacultyHack Sungbum Poster [Autosaved] [Autosaved].pptx
+++ b/FacultyHack Sungbum Poster [Autosaved] [Autosaved].pptx
@@ -21203,7 +21203,7 @@
         </p:nvSpPr>
         <p:spPr>
           <a:xfrm>
-            <a:off x="8650781" y="30709804"/>
+            <a:off x="8602981" y="31169017"/>
             <a:ext cx="7315200" cy="1200000"/>
           </a:xfrm>
           <a:prstGeom prst="rect">
@@ -21611,7 +21611,7 @@
         </p:nvSpPr>
         <p:spPr>
           <a:xfrm>
-            <a:off x="8680060" y="4441318"/>
+            <a:off x="8544491" y="5343425"/>
             <a:ext cx="7432180" cy="25922441"/>
           </a:xfrm>
           <a:prstGeom prst="rect">
@@ -21919,7 +21919,7 @@
         </p:nvSpPr>
         <p:spPr>
           <a:xfrm>
-            <a:off x="8446305" y="32005906"/>
+            <a:off x="8467851" y="32369017"/>
             <a:ext cx="7315200" cy="7717457"/>
           </a:xfrm>
           <a:prstGeom prst="rect">
@@ -22282,28 +22282,8 @@
               <a:rPr lang="en-US" sz="3400" dirty="0">
                 <a:latin typeface=""/>
               </a:rPr>
-              <a:t>developing  plant breeders select:</a:t>
-            </a:r>
-          </a:p>
-          <a:p>
-            <a:pPr marR="0" lvl="0" algn="l" rtl="0">
-              <a:lnSpc>
-                <a:spcPct val="100000"/>
-              </a:lnSpc>
-              <a:spcBef>
-                <a:spcPts val="0"/>
-              </a:spcBef>
-              <a:spcAft>
-                <a:spcPts val="0"/>
-              </a:spcAft>
-              <a:buClr>
-                <a:srgbClr val="000000"/>
-              </a:buClr>
-              <a:buSzPts val="3400"/>
-            </a:pPr>
-            <a:endParaRPr lang="en-US" sz="3400" dirty="0">
-              <a:latin typeface=""/>
-            </a:endParaRPr>
+              <a:t>developing:</a:t>
+            </a:r>
           </a:p>
           <a:p>
             <a:pPr marL="457200" marR="0" lvl="0" indent="-457200" algn="l" rtl="0">
@@ -22324,6 +22304,31 @@
               <a:buChar char="•"/>
             </a:pPr>
             <a:r>
+              <a:rPr lang="en-US" sz="3400" dirty="0">
+                <a:latin typeface=""/>
+              </a:rPr>
+              <a:t>plant breeders selection,</a:t>
+            </a:r>
+          </a:p>
+          <a:p>
+            <a:pPr marL="457200" marR="0" lvl="0" indent="-457200" algn="l" rtl="0">
+              <a:lnSpc>
+                <a:spcPct val="100000"/>
+              </a:lnSpc>
+              <a:spcBef>
+                <a:spcPts val="0"/>
+              </a:spcBef>
+              <a:spcAft>
+                <a:spcPts val="0"/>
+              </a:spcAft>
+              <a:buClr>
+                <a:srgbClr val="000000"/>
+              </a:buClr>
+              <a:buSzPts val="3400"/>
+              <a:buFont typeface="Arial" panose="020B0604020202020204" pitchFamily="34" charset="0"/>
+              <a:buChar char="•"/>
+            </a:pPr>
+            <a:r>
               <a:rPr lang="en-US" sz="3400" b="0" i="0" dirty="0">
                 <a:solidFill>
                   <a:srgbClr val="001D35"/>
@@ -22337,7 +22342,32 @@
               <a:rPr lang="en-US" sz="3400" dirty="0">
                 <a:latin typeface=""/>
               </a:rPr>
-              <a:t>, and disease-resistant crops.  </a:t>
+              <a:t>, </a:t>
+            </a:r>
+          </a:p>
+          <a:p>
+            <a:pPr marL="457200" marR="0" lvl="0" indent="-457200" algn="l" rtl="0">
+              <a:lnSpc>
+                <a:spcPct val="100000"/>
+              </a:lnSpc>
+              <a:spcBef>
+                <a:spcPts val="0"/>
+              </a:spcBef>
+              <a:spcAft>
+                <a:spcPts val="0"/>
+              </a:spcAft>
+              <a:buClr>
+                <a:srgbClr val="000000"/>
+              </a:buClr>
+              <a:buSzPts val="3400"/>
+              <a:buFont typeface="Arial" panose="020B0604020202020204" pitchFamily="34" charset="0"/>
+              <a:buChar char="•"/>
+            </a:pPr>
+            <a:r>
+              <a:rPr lang="en-US" sz="3400" dirty="0">
+                <a:latin typeface=""/>
+              </a:rPr>
+              <a:t>disease-resistant crops, and </a:t>
             </a:r>
           </a:p>
           <a:p>

--- a/FacultyHack Sungbum Poster [Autosaved] [Autosaved].pptx
+++ b/FacultyHack Sungbum Poster [Autosaved] [Autosaved].pptx
@@ -20823,8 +20823,8 @@
         </p:nvSpPr>
         <p:spPr>
           <a:xfrm>
-            <a:off x="242852" y="5440275"/>
-            <a:ext cx="7432180" cy="28907873"/>
+            <a:off x="242851" y="5440276"/>
+            <a:ext cx="7691819" cy="27255100"/>
           </a:xfrm>
           <a:prstGeom prst="rect">
             <a:avLst/>
@@ -20848,24 +20848,7 @@
                 <a:ea typeface="Malgun Gothic" panose="020B0503020000020004" pitchFamily="34" charset="-127"/>
                 <a:cs typeface="Sathu" pitchFamily="2" charset="-34"/>
               </a:rPr>
-              <a:t>Recent changes in industry need to upgrade software developing skills of workforce for parallel computing environment such as multicore CPUs, GPUs. Unlike the sequential computing environment, personals who want to work for this area must be familiar to the multi-cores, multi-processor, and GPUs.  The course is for the junior or senior Computer Science (CS) and Computer Engineering (CE) major students. Based on the curriculum, all students finished programming languages, operating systems, computer architecture and data structure courses to make sequential programs.  The parallel </a:t>
-            </a:r>
-            <a:r>
-              <a:rPr lang="en-US" sz="3400" dirty="0">
-                <a:latin typeface=""/>
-                <a:ea typeface="Malgun Gothic" panose="020B0503020000020004" pitchFamily="34" charset="-127"/>
-                <a:cs typeface="Sathu" pitchFamily="2" charset="-34"/>
-              </a:rPr>
-              <a:t>p</a:t>
-            </a:r>
-            <a:r>
-              <a:rPr lang="en-US" sz="3400" dirty="0">
-                <a:effectLst/>
-                <a:latin typeface=""/>
-                <a:ea typeface="Malgun Gothic" panose="020B0503020000020004" pitchFamily="34" charset="-127"/>
-                <a:cs typeface="Sathu" pitchFamily="2" charset="-34"/>
-              </a:rPr>
-              <a:t>rogramming education for CS and CE majors will play a major role in preparing well-trained graduates to join this workforce. From the course, we are going to focus on improving hands on skills with the libraries and understating and implementing parallel algorithms.  The topics of the course include programming languages with the libraries such as OpenMP, MPI, and </a:t>
+              <a:t>Recent changes in the industry require upgrading software to develop skills in workforce computing environments such as Multi-cores CPUs and GPUs. Unlike the sequential computing environment, personnel who want to work in this area must be familiar with multi-cores, multi-processors, and GPUs.  The course is for junior or senior Computer Science (CS) and Computer Engineering (CE) students. Based on the curriculum, all students finished programming languages, operating systems, computer architecture, and data structure courses to make sequential programs.  The parallel programming education for CS and CE majors will majorly prepare well-trained graduates to join this workforce. From the course, we are going to focus on improving hands-on skills with the libraries and understating and implementing parallel algorithms.  The topics of the course include programming languages with libraries such as OpenMP, MPI, and </a:t>
             </a:r>
             <a:r>
               <a:rPr lang="en-US" sz="3400" dirty="0" err="1">
@@ -20883,7 +20866,7 @@
                 <a:ea typeface="Malgun Gothic" panose="020B0503020000020004" pitchFamily="34" charset="-127"/>
                 <a:cs typeface="Sathu" pitchFamily="2" charset="-34"/>
               </a:rPr>
-              <a:t>. The programming models consists of several subareas: </a:t>
+              <a:t>. The programming models consist of several subareas: </a:t>
             </a:r>
             <a:r>
               <a:rPr lang="en-US" sz="3400" dirty="0" err="1">
@@ -20901,74 +20884,7 @@
                 <a:ea typeface="Malgun Gothic" panose="020B0503020000020004" pitchFamily="34" charset="-127"/>
                 <a:cs typeface="Sathu" pitchFamily="2" charset="-34"/>
               </a:rPr>
-              <a:t>) data parallelism; ii) task parallelism;  iii)multithreaded programming;  iv)shared memory model; v) message-passing model; and vi) partitioned </a:t>
-            </a:r>
-            <a:r>
-              <a:rPr lang="en-US" sz="3400" dirty="0">
-                <a:latin typeface=""/>
-                <a:ea typeface="Malgun Gothic" panose="020B0503020000020004" pitchFamily="34" charset="-127"/>
-                <a:cs typeface="Sathu" pitchFamily="2" charset="-34"/>
-              </a:rPr>
-              <a:t>g</a:t>
-            </a:r>
-            <a:r>
-              <a:rPr lang="en-US" sz="3400" dirty="0">
-                <a:effectLst/>
-                <a:latin typeface=""/>
-                <a:ea typeface="Malgun Gothic" panose="020B0503020000020004" pitchFamily="34" charset="-127"/>
-                <a:cs typeface="Sathu" pitchFamily="2" charset="-34"/>
-              </a:rPr>
-              <a:t>lobal </a:t>
-            </a:r>
-            <a:r>
-              <a:rPr lang="en-US" sz="3400" dirty="0">
-                <a:latin typeface=""/>
-                <a:ea typeface="Malgun Gothic" panose="020B0503020000020004" pitchFamily="34" charset="-127"/>
-                <a:cs typeface="Sathu" pitchFamily="2" charset="-34"/>
-              </a:rPr>
-              <a:t>a</a:t>
-            </a:r>
-            <a:r>
-              <a:rPr lang="en-US" sz="3400" dirty="0">
-                <a:effectLst/>
-                <a:latin typeface=""/>
-                <a:ea typeface="Malgun Gothic" panose="020B0503020000020004" pitchFamily="34" charset="-127"/>
-                <a:cs typeface="Sathu" pitchFamily="2" charset="-34"/>
-              </a:rPr>
-              <a:t>ddress </a:t>
-            </a:r>
-            <a:r>
-              <a:rPr lang="en-US" sz="3400" dirty="0">
-                <a:latin typeface=""/>
-                <a:ea typeface="Malgun Gothic" panose="020B0503020000020004" pitchFamily="34" charset="-127"/>
-                <a:cs typeface="Sathu" pitchFamily="2" charset="-34"/>
-              </a:rPr>
-              <a:t>s</a:t>
-            </a:r>
-            <a:r>
-              <a:rPr lang="en-US" sz="3400" dirty="0">
-                <a:effectLst/>
-                <a:latin typeface=""/>
-                <a:ea typeface="Malgun Gothic" panose="020B0503020000020004" pitchFamily="34" charset="-127"/>
-                <a:cs typeface="Sathu" pitchFamily="2" charset="-34"/>
-              </a:rPr>
-              <a:t>pace model. These projects require a large space for large data sets  and computing power. As part of this effort, some of the NSF/IEEE-TCPP curriculum initiative on Parallel and Distributed Computing (PDC) modules were  integrated into department-wide core and elective courses offered in both fall and spring semesters. From CSC 325 Operating Systems (core), the students will learn how to write simple parallel program with </a:t>
-            </a:r>
-            <a:r>
-              <a:rPr lang="en-US" sz="3400" dirty="0">
-                <a:latin typeface=""/>
-                <a:cs typeface="Sathu" pitchFamily="2" charset="-34"/>
-              </a:rPr>
-              <a:t>POSIX threads </a:t>
-            </a:r>
-            <a:r>
-              <a:rPr lang="en-US" sz="3400" dirty="0">
-                <a:effectLst/>
-                <a:latin typeface=""/>
-                <a:ea typeface="Malgun Gothic" panose="020B0503020000020004" pitchFamily="34" charset="-127"/>
-                <a:cs typeface="Sathu" pitchFamily="2" charset="-34"/>
-              </a:rPr>
-              <a:t>library and also how to synchronize the processes.   The topics of CSC 425 Parallel Computing (elective) are focusing on how to use OpenMP, </a:t>
+              <a:t>) data parallelism, ii) task parallelism,  iii)multithreaded programming,  iv)shared memory model, v) message-passing model, and vi) partitioned global address space model. These projects require a large space for large data sets and computing power. As part of this effort, some of the NSF/IEEE-TCPP curriculum initiatives on Parallel and Distributed Computing (PDC) modules were integrated into department-wide core and elective courses offered in both fall and spring semesters. From CSC 325 Operating Systems (core), the students will learn how to write simple parallel programs with the POSIX threads library and also how to synchronize the processes.   The topics of CSC 425 Parallel Computing (elective) are focus on how to use OpenMP, </a:t>
             </a:r>
             <a:r>
               <a:rPr lang="en-US" sz="3400" dirty="0" err="1">
@@ -20986,7 +20902,7 @@
                 <a:ea typeface="Malgun Gothic" panose="020B0503020000020004" pitchFamily="34" charset="-127"/>
                 <a:cs typeface="Sathu" pitchFamily="2" charset="-34"/>
               </a:rPr>
-              <a:t> and MPI with parallel algorithms.</a:t>
+              <a:t>, and MPI with parallel algorithms.</a:t>
             </a:r>
           </a:p>
         </p:txBody>
@@ -21067,7 +20983,7 @@
         </p:nvSpPr>
         <p:spPr>
           <a:xfrm>
-            <a:off x="290925" y="33850638"/>
+            <a:off x="287686" y="32868076"/>
             <a:ext cx="7315200" cy="1200000"/>
           </a:xfrm>
           <a:prstGeom prst="rect">
@@ -21611,8 +21527,8 @@
         </p:nvSpPr>
         <p:spPr>
           <a:xfrm>
-            <a:off x="8544491" y="5343425"/>
-            <a:ext cx="7432180" cy="25922441"/>
+            <a:off x="8544490" y="5343425"/>
+            <a:ext cx="7691819" cy="26076329"/>
           </a:xfrm>
           <a:prstGeom prst="rect">
             <a:avLst/>
@@ -21630,7 +21546,7 @@
           <a:p>
             <a:pPr marL="0" marR="0" lvl="0" indent="0" algn="l" rtl="0">
               <a:lnSpc>
-                <a:spcPct val="100000"/>
+                <a:spcPct val="150000"/>
               </a:lnSpc>
               <a:spcBef>
                 <a:spcPts val="0"/>
@@ -21722,8 +21638,30 @@
               <a:rPr lang="en-US" sz="3400" dirty="0">
                 <a:latin typeface=""/>
               </a:rPr>
-              <a:t>DNA sequences are represented as character strings, with each character representing a nucleotide type. The DNA sequence alignment problem, or pattern searching problem, identifies coincidences of nucleotide strings in a long DNA sequence. Multiple pattern matching is an complex problem in a DNA sequence. Our assignment addresses this by finding matches in a random main DNA sequence with multiple nucleotide patterns, which can also be random sequences or exact copies of parts of the main sequence. The students are going to use a brute-force algorithm that checks each pattern at every possible position in the DNA sequence, offering parallelization opportunities. The program identifies patterns found in the sequence and their starting positions. The project require that implement direct parallelization opportunities at two levels, patterns and starting positions. </a:t>
-            </a:r>
+              <a:t>DNA sequences are represented as character strings, with each character representing a nucleotide type. The DNA sequence alignment problem, or pattern searching problem, identifies coincidences of nucleotide strings in a long DNA sequence. Multiple pattern matching is a complex problem in a DNA sequence. Our assignment addresses this by finding matches in a random main DNA sequence with multiple nucleotide patterns, which can also be random sequences or exact copies of parts of the main sequence. The students are going to use a brute-force algorithm that checks each pattern at every possible position in the DNA sequence, offering parallelization opportunities. The program identifies patterns found in the sequence and their starting positions. The project requires the implementation of direct parallelization opportunities at two levels: patterns and starting positions. </a:t>
+            </a:r>
+          </a:p>
+          <a:p>
+            <a:pPr marL="0" marR="0" lvl="0" indent="0" algn="l" rtl="0">
+              <a:lnSpc>
+                <a:spcPct val="100000"/>
+              </a:lnSpc>
+              <a:spcBef>
+                <a:spcPts val="0"/>
+              </a:spcBef>
+              <a:spcAft>
+                <a:spcPts val="0"/>
+              </a:spcAft>
+              <a:buClr>
+                <a:srgbClr val="000000"/>
+              </a:buClr>
+              <a:buSzPts val="3400"/>
+              <a:buFont typeface="Arial"/>
+              <a:buNone/>
+            </a:pPr>
+            <a:endParaRPr lang="en-US" sz="3400" dirty="0">
+              <a:latin typeface=""/>
+            </a:endParaRPr>
           </a:p>
           <a:p>
             <a:pPr marL="0" marR="0" lvl="0" indent="0" algn="l" rtl="0">
@@ -21782,7 +21720,7 @@
                 <a:latin typeface=""/>
                 <a:cs typeface="Sana" pitchFamily="2" charset="-78"/>
               </a:rPr>
-              <a:t>Many applications have been developed based on the concept of genomic sequencing.  Sequence data for High-Throughput Sequencing (HTS) can be generated at an HPC that has  capability to store its data, process the tasks, and analyze its results. </a:t>
+              <a:t>Many applications have been developed based on the concept of genomic sequencing.  Sequence data for high-throughput sequencing (HTS) can be generated at an HPC that has the capability to store data, process tasks, and analyze results. </a:t>
             </a:r>
             <a:r>
               <a:rPr lang="en-US" sz="3400" dirty="0" err="1">
@@ -21796,7 +21734,7 @@
                 <a:latin typeface=""/>
                 <a:cs typeface="Sana" pitchFamily="2" charset="-78"/>
               </a:rPr>
-              <a:t> can sort sequence alignment data and  a Binary Alignment/Map (BAM) file is a sequence alignment file format.</a:t>
+              <a:t> can sort sequence alignment data, and a Binary Alignment/Map (BAM) file is a sequence alignment file format.</a:t>
             </a:r>
           </a:p>
           <a:p>
@@ -21822,7 +21760,7 @@
                 <a:latin typeface=""/>
                 <a:cs typeface="Sana" pitchFamily="2" charset="-78"/>
               </a:rPr>
-              <a:t>OpenMP utilize </a:t>
+              <a:t>OpenMP utilizes </a:t>
             </a:r>
             <a:r>
               <a:rPr lang="en-US" sz="3400" dirty="0" err="1">
@@ -21892,7 +21830,7 @@
                 <a:latin typeface=""/>
                 <a:cs typeface="Sana" pitchFamily="2" charset="-78"/>
               </a:rPr>
-              <a:t>);  iii) improve the parallel efficiency of BGZF encoding the resulting sorted sequence alignments (</a:t>
+              <a:t>);  iii) improve the parallel efficiency of BGZF encoding the resulting sorted sequence alignments (</a:t>
             </a:r>
             <a:r>
               <a:rPr lang="en-US" sz="3400" dirty="0" err="1">
@@ -21920,7 +21858,7 @@
         <p:spPr>
           <a:xfrm>
             <a:off x="8467851" y="32369017"/>
-            <a:ext cx="7315200" cy="7717457"/>
+            <a:ext cx="7450330" cy="6976228"/>
           </a:xfrm>
           <a:prstGeom prst="rect">
             <a:avLst/>
@@ -21961,7 +21899,7 @@
                 <a:effectLst/>
                 <a:latin typeface=""/>
               </a:rPr>
-              <a:t>Symmetric multiprocessing (SMP) type HPC  for OpenMP</a:t>
+              <a:t>Symmetric multiprocessing (SMP) type HPC  for OpenMP,</a:t>
             </a:r>
             <a:endParaRPr lang="en-US" sz="3400" b="0" i="0" u="none" strike="noStrike" cap="none" dirty="0">
               <a:solidFill>
@@ -22195,34 +22133,6 @@
               </a:rPr>
               <a:t>-comparable C compiler.</a:t>
             </a:r>
-          </a:p>
-          <a:p>
-            <a:pPr marL="482600" marR="0" lvl="0" indent="-482600" algn="l" rtl="0">
-              <a:lnSpc>
-                <a:spcPct val="100000"/>
-              </a:lnSpc>
-              <a:spcBef>
-                <a:spcPts val="1700"/>
-              </a:spcBef>
-              <a:spcAft>
-                <a:spcPts val="0"/>
-              </a:spcAft>
-              <a:buClr>
-                <a:srgbClr val="000000"/>
-              </a:buClr>
-              <a:buSzPts val="3400"/>
-              <a:buFont typeface="Arial"/>
-              <a:buChar char="•"/>
-            </a:pPr>
-            <a:endParaRPr lang="en-US" sz="3400" b="0" i="0" u="none" strike="noStrike" cap="none" dirty="0">
-              <a:solidFill>
-                <a:srgbClr val="000000"/>
-              </a:solidFill>
-              <a:latin typeface=""/>
-              <a:ea typeface="Open Sans"/>
-              <a:cs typeface="Open Sans"/>
-              <a:sym typeface="Open Sans"/>
-            </a:endParaRPr>
           </a:p>
         </p:txBody>
       </p:sp>
@@ -22413,7 +22323,7 @@
         <p:spPr>
           <a:xfrm>
             <a:off x="24885251" y="6259246"/>
-            <a:ext cx="7315200" cy="2964874"/>
+            <a:ext cx="7315200" cy="4272924"/>
           </a:xfrm>
           <a:prstGeom prst="rect">
             <a:avLst/>
@@ -22431,7 +22341,7 @@
           <a:p>
             <a:pPr marL="482600" marR="0" lvl="0" indent="-482600" algn="l" rtl="0">
               <a:lnSpc>
-                <a:spcPct val="100000"/>
+                <a:spcPct val="150000"/>
               </a:lnSpc>
               <a:spcBef>
                 <a:spcPts val="0"/>
@@ -22462,7 +22372,7 @@
           <a:p>
             <a:pPr marL="482600" marR="0" lvl="0" indent="-482600" algn="l" rtl="0">
               <a:lnSpc>
-                <a:spcPct val="100000"/>
+                <a:spcPct val="150000"/>
               </a:lnSpc>
               <a:spcBef>
                 <a:spcPts val="0"/>
@@ -22490,7 +22400,7 @@
           <a:p>
             <a:pPr marL="482600" marR="0" lvl="0" indent="-482600" algn="l" rtl="0">
               <a:lnSpc>
-                <a:spcPct val="100000"/>
+                <a:spcPct val="150000"/>
               </a:lnSpc>
               <a:spcBef>
                 <a:spcPts val="0"/>
@@ -22528,7 +22438,7 @@
           <a:p>
             <a:pPr marL="482600" marR="0" lvl="0" indent="-482600" algn="l" rtl="0">
               <a:lnSpc>
-                <a:spcPct val="100000"/>
+                <a:spcPct val="150000"/>
               </a:lnSpc>
               <a:spcBef>
                 <a:spcPts val="1700"/>
@@ -23552,7 +23462,7 @@
         </p:nvSpPr>
         <p:spPr>
           <a:xfrm>
-            <a:off x="18421325" y="39989075"/>
+            <a:off x="17558765" y="39942951"/>
             <a:ext cx="14096400" cy="1277400"/>
           </a:xfrm>
           <a:prstGeom prst="rect">
@@ -23587,7 +23497,7 @@
               <a:buNone/>
             </a:pPr>
             <a:r>
-              <a:rPr lang="en" sz="3300" b="1" i="0" u="none" strike="noStrike" cap="none">
+              <a:rPr lang="en" sz="3300" b="1" i="0" u="none" strike="noStrike" cap="none" dirty="0">
                 <a:solidFill>
                   <a:srgbClr val="454545"/>
                 </a:solidFill>
@@ -23596,10 +23506,34 @@
                 <a:cs typeface="Calibri"/>
                 <a:sym typeface="Calibri"/>
               </a:rPr>
-              <a:t>MORE INFORMATION → https://hackhpc.github.io/facultyhack-gateways23</a:t>
-            </a:r>
-            <a:r>
-              <a:rPr lang="en" sz="3300" b="0" i="0" u="none" strike="noStrike" cap="none">
+              <a:t>MORE INFORMATION → https://</a:t>
+            </a:r>
+            <a:r>
+              <a:rPr lang="en" sz="3300" b="1" i="0" u="none" strike="noStrike" cap="none" dirty="0" err="1">
+                <a:solidFill>
+                  <a:srgbClr val="454545"/>
+                </a:solidFill>
+                <a:latin typeface="Calibri"/>
+                <a:ea typeface="Calibri"/>
+                <a:cs typeface="Calibri"/>
+                <a:sym typeface="Calibri"/>
+              </a:rPr>
+              <a:t>hackhpc.github.io</a:t>
+            </a:r>
+            <a:r>
+              <a:rPr lang="en" sz="3300" b="1" i="0" u="none" strike="noStrike" cap="none" dirty="0">
+                <a:solidFill>
+                  <a:srgbClr val="454545"/>
+                </a:solidFill>
+                <a:latin typeface="Calibri"/>
+                <a:ea typeface="Calibri"/>
+                <a:cs typeface="Calibri"/>
+                <a:sym typeface="Calibri"/>
+              </a:rPr>
+              <a:t>/facultyhack-gateways23</a:t>
+            </a:r>
+            <a:r>
+              <a:rPr lang="en" sz="3300" b="0" i="0" u="none" strike="noStrike" cap="none" dirty="0">
                 <a:solidFill>
                   <a:schemeClr val="lt1"/>
                 </a:solidFill>
@@ -23611,7 +23545,7 @@
               <a:t>  </a:t>
             </a:r>
             <a:r>
-              <a:rPr lang="en" sz="3300" b="0" i="0" u="none" strike="noStrike" cap="none">
+              <a:rPr lang="en" sz="3300" b="0" i="0" u="none" strike="noStrike" cap="none" dirty="0">
                 <a:solidFill>
                   <a:srgbClr val="F28753"/>
                 </a:solidFill>
@@ -23622,7 +23556,7 @@
               </a:rPr>
               <a:t>__</a:t>
             </a:r>
-            <a:endParaRPr sz="1300" b="0" i="0" u="none" strike="noStrike" cap="none">
+            <a:endParaRPr sz="1300" b="0" i="0" u="none" strike="noStrike" cap="none" dirty="0">
               <a:solidFill>
                 <a:srgbClr val="000000"/>
               </a:solidFill>
@@ -23732,8 +23666,8 @@
         </p:nvSpPr>
         <p:spPr>
           <a:xfrm>
-            <a:off x="287686" y="35142675"/>
-            <a:ext cx="7298180" cy="3754874"/>
+            <a:off x="348542" y="34174957"/>
+            <a:ext cx="7298180" cy="5489195"/>
           </a:xfrm>
           <a:prstGeom prst="rect">
             <a:avLst/>
@@ -23746,6 +23680,19 @@
           </a:bodyPr>
           <a:lstStyle/>
           <a:p>
+            <a:pPr>
+              <a:lnSpc>
+                <a:spcPct val="150000"/>
+              </a:lnSpc>
+            </a:pPr>
+            <a:r>
+              <a:rPr lang="en-US" sz="3400" dirty="0">
+                <a:latin typeface=""/>
+                <a:ea typeface="Malgun Gothic" panose="020B0503020000020004" pitchFamily="34" charset="-127"/>
+                <a:cs typeface="Times New Roman" panose="02020603050405020304" pitchFamily="18" charset="0"/>
+              </a:rPr>
+              <a:t>I</a:t>
+            </a:r>
             <a:r>
               <a:rPr lang="en-US" sz="3400" dirty="0">
                 <a:effectLst/>
@@ -23753,40 +23700,17 @@
                 <a:ea typeface="Malgun Gothic" panose="020B0503020000020004" pitchFamily="34" charset="-127"/>
                 <a:cs typeface="Times New Roman" panose="02020603050405020304" pitchFamily="18" charset="0"/>
               </a:rPr>
-              <a:t>For  the course, the students implement three parallel algorithms: </a:t>
-            </a:r>
-            <a:r>
-              <a:rPr lang="en-US" sz="3400" dirty="0" err="1">
-                <a:effectLst/>
-                <a:latin typeface=""/>
-                <a:ea typeface="Malgun Gothic" panose="020B0503020000020004" pitchFamily="34" charset="-127"/>
-                <a:cs typeface="Times New Roman" panose="02020603050405020304" pitchFamily="18" charset="0"/>
-              </a:rPr>
-              <a:t>i</a:t>
-            </a:r>
-            <a:r>
-              <a:rPr lang="en-US" sz="3400" dirty="0">
-                <a:effectLst/>
-                <a:latin typeface=""/>
-                <a:ea typeface="Malgun Gothic" panose="020B0503020000020004" pitchFamily="34" charset="-127"/>
-                <a:cs typeface="Times New Roman" panose="02020603050405020304" pitchFamily="18" charset="0"/>
-              </a:rPr>
-              <a:t>)</a:t>
-            </a:r>
-            <a:r>
-              <a:rPr lang="en-US" sz="3400" dirty="0">
-                <a:solidFill>
-                  <a:srgbClr val="212529"/>
-                </a:solidFill>
-                <a:highlight>
-                  <a:srgbClr val="FFFFFF"/>
-                </a:highlight>
-                <a:latin typeface=""/>
-                <a:ea typeface="Malgun Gothic" panose="020B0503020000020004" pitchFamily="34" charset="-127"/>
-                <a:cs typeface="Times New Roman" panose="02020603050405020304" pitchFamily="18" charset="0"/>
-              </a:rPr>
-              <a:t> </a:t>
-            </a:r>
+              <a:t>mplement three parallel algorithms: </a:t>
+            </a:r>
+          </a:p>
+          <a:p>
+            <a:pPr marL="457200" indent="-457200">
+              <a:lnSpc>
+                <a:spcPct val="150000"/>
+              </a:lnSpc>
+              <a:buFont typeface="Arial" panose="020B0604020202020204" pitchFamily="34" charset="0"/>
+              <a:buChar char="•"/>
+            </a:pPr>
             <a:r>
               <a:rPr lang="en-US" sz="3400" dirty="0">
                 <a:solidFill>
@@ -23829,16 +23753,17 @@
                 <a:ea typeface="Malgun Gothic" panose="020B0503020000020004" pitchFamily="34" charset="-127"/>
                 <a:cs typeface="Times New Roman" panose="02020603050405020304" pitchFamily="18" charset="0"/>
               </a:rPr>
-              <a:t> ii)</a:t>
-            </a:r>
-            <a:r>
-              <a:rPr lang="en-US" sz="3400" dirty="0">
-                <a:effectLst/>
-                <a:latin typeface=""/>
-                <a:ea typeface="Times New Roman" panose="02020603050405020304" pitchFamily="18" charset="0"/>
-              </a:rPr>
               <a:t> </a:t>
             </a:r>
+          </a:p>
+          <a:p>
+            <a:pPr marL="457200" indent="-457200">
+              <a:lnSpc>
+                <a:spcPct val="150000"/>
+              </a:lnSpc>
+              <a:buFont typeface="Arial" panose="020B0604020202020204" pitchFamily="34" charset="0"/>
+              <a:buChar char="•"/>
+            </a:pPr>
             <a:r>
               <a:rPr lang="en-US" sz="3400" dirty="0">
                 <a:solidFill>
@@ -23858,7 +23783,25 @@
                 <a:ea typeface="Malgun Gothic" panose="020B0503020000020004" pitchFamily="34" charset="-127"/>
                 <a:cs typeface="Times New Roman" panose="02020603050405020304" pitchFamily="18" charset="0"/>
               </a:rPr>
-              <a:t> (PCA) for Large Data Sets with Parallel Data Summarization; iii) Parallel algorithm for DNA sequence. </a:t>
+              <a:t> (PCA) for Large Data Sets with Parallel Data Summarization;</a:t>
+            </a:r>
+          </a:p>
+          <a:p>
+            <a:pPr marL="457200" indent="-457200">
+              <a:lnSpc>
+                <a:spcPct val="150000"/>
+              </a:lnSpc>
+              <a:buFont typeface="Arial" panose="020B0604020202020204" pitchFamily="34" charset="0"/>
+              <a:buChar char="•"/>
+            </a:pPr>
+            <a:r>
+              <a:rPr lang="en-US" sz="3400" dirty="0">
+                <a:effectLst/>
+                <a:latin typeface=""/>
+                <a:ea typeface="Malgun Gothic" panose="020B0503020000020004" pitchFamily="34" charset="-127"/>
+                <a:cs typeface="Times New Roman" panose="02020603050405020304" pitchFamily="18" charset="0"/>
+              </a:rPr>
+              <a:t>Parallel algorithm for DNA sequence. </a:t>
             </a:r>
             <a:endParaRPr lang="en-US" dirty="0"/>
           </a:p>
